--- a/docs/week-2/week-2.en.md_word.pptx
+++ b/docs/week-2/week-2.en.md_word.pptx
@@ -20,11 +20,8 @@
     <p:sldId id="268" r:id="rId14"/>
     <p:sldId id="269" r:id="rId15"/>
     <p:sldId id="270" r:id="rId16"/>
-    <p:sldId id="271" r:id="rId17"/>
-    <p:sldId id="272" r:id="rId18"/>
-    <p:sldId id="273" r:id="rId19"/>
   </p:sldIdLst>
-  <p:sldSz cx="9144000" cy="6858000" type="screen4x3"/>
+  <p:sldSz cx="9144000" cy="5143500" type="screen16x9"/>
   <p:notesSz cx="6858000" cy="9144000"/>
   <p:defaultTextStyle>
     <a:defPPr>
@@ -124,12 +121,12 @@
   <p:extLst>
     <p:ext uri="{EFAFB233-063F-42B5-8137-9DF3F51BA10A}">
       <p15:sldGuideLst xmlns:p15="http://schemas.microsoft.com/office/powerpoint/2012/main">
-        <p15:guide id="1" orient="horz" pos="2160">
+        <p15:guide id="1" orient="horz" pos="1620" userDrawn="1">
           <p15:clr>
             <a:srgbClr val="A4A3A4"/>
           </p15:clr>
         </p15:guide>
-        <p15:guide id="2" pos="2880">
+        <p15:guide id="2" pos="2880" userDrawn="1">
           <p15:clr>
             <a:srgbClr val="A4A3A4"/>
           </p15:clr>
@@ -169,8 +166,8 @@
         </p:nvSpPr>
         <p:spPr>
           <a:xfrm>
-            <a:off x="685800" y="2130425"/>
-            <a:ext cx="7772400" cy="1470025"/>
+            <a:off x="685800" y="1597819"/>
+            <a:ext cx="7772400" cy="1102519"/>
           </a:xfrm>
         </p:spPr>
         <p:txBody>
@@ -178,10 +175,9 @@
           <a:lstStyle/>
           <a:p>
             <a:r>
-              <a:rPr lang="en-US" smtClean="0"/>
+              <a:rPr lang="en-US"/>
               <a:t>Click to edit Master title style</a:t>
             </a:r>
-            <a:endParaRPr lang="en-US"/>
           </a:p>
         </p:txBody>
       </p:sp>
@@ -197,8 +193,8 @@
         </p:nvSpPr>
         <p:spPr>
           <a:xfrm>
-            <a:off x="1371600" y="3886200"/>
-            <a:ext cx="6400800" cy="1752600"/>
+            <a:off x="1371600" y="2914650"/>
+            <a:ext cx="6400800" cy="1314450"/>
           </a:xfrm>
         </p:spPr>
         <p:txBody>
@@ -214,7 +210,7 @@
                 </a:solidFill>
               </a:defRPr>
             </a:lvl1pPr>
-            <a:lvl2pPr marL="457200" indent="0" algn="ctr">
+            <a:lvl2pPr marL="342900" indent="0" algn="ctr">
               <a:buNone/>
               <a:defRPr>
                 <a:solidFill>
@@ -224,7 +220,7 @@
                 </a:solidFill>
               </a:defRPr>
             </a:lvl2pPr>
-            <a:lvl3pPr marL="914400" indent="0" algn="ctr">
+            <a:lvl3pPr marL="685800" indent="0" algn="ctr">
               <a:buNone/>
               <a:defRPr>
                 <a:solidFill>
@@ -234,7 +230,7 @@
                 </a:solidFill>
               </a:defRPr>
             </a:lvl3pPr>
-            <a:lvl4pPr marL="1371600" indent="0" algn="ctr">
+            <a:lvl4pPr marL="1028700" indent="0" algn="ctr">
               <a:buNone/>
               <a:defRPr>
                 <a:solidFill>
@@ -244,7 +240,7 @@
                 </a:solidFill>
               </a:defRPr>
             </a:lvl4pPr>
-            <a:lvl5pPr marL="1828800" indent="0" algn="ctr">
+            <a:lvl5pPr marL="1371600" indent="0" algn="ctr">
               <a:buNone/>
               <a:defRPr>
                 <a:solidFill>
@@ -254,7 +250,7 @@
                 </a:solidFill>
               </a:defRPr>
             </a:lvl5pPr>
-            <a:lvl6pPr marL="2286000" indent="0" algn="ctr">
+            <a:lvl6pPr marL="1714500" indent="0" algn="ctr">
               <a:buNone/>
               <a:defRPr>
                 <a:solidFill>
@@ -264,7 +260,7 @@
                 </a:solidFill>
               </a:defRPr>
             </a:lvl6pPr>
-            <a:lvl7pPr marL="2743200" indent="0" algn="ctr">
+            <a:lvl7pPr marL="2057400" indent="0" algn="ctr">
               <a:buNone/>
               <a:defRPr>
                 <a:solidFill>
@@ -274,7 +270,7 @@
                 </a:solidFill>
               </a:defRPr>
             </a:lvl7pPr>
-            <a:lvl8pPr marL="3200400" indent="0" algn="ctr">
+            <a:lvl8pPr marL="2400300" indent="0" algn="ctr">
               <a:buNone/>
               <a:defRPr>
                 <a:solidFill>
@@ -284,7 +280,7 @@
                 </a:solidFill>
               </a:defRPr>
             </a:lvl8pPr>
-            <a:lvl9pPr marL="3657600" indent="0" algn="ctr">
+            <a:lvl9pPr marL="2743200" indent="0" algn="ctr">
               <a:buNone/>
               <a:defRPr>
                 <a:solidFill>
@@ -297,10 +293,9 @@
           </a:lstStyle>
           <a:p>
             <a:r>
-              <a:rPr lang="en-US" smtClean="0"/>
+              <a:rPr lang="en-US"/>
               <a:t>Click to edit Master subtitle style</a:t>
             </a:r>
-            <a:endParaRPr lang="en-US"/>
           </a:p>
         </p:txBody>
       </p:sp>
@@ -321,7 +316,7 @@
           <a:p>
             <a:fld id="{241EB5C9-1307-BA42-ABA2-0BC069CD8E7F}" type="datetimeFigureOut">
               <a:rPr lang="en-US" smtClean="0"/>
-              <a:t>4/5/2019</a:t>
+              <a:t>1/2/22</a:t>
             </a:fld>
             <a:endParaRPr lang="en-US"/>
           </a:p>
@@ -415,10 +410,9 @@
           <a:lstStyle/>
           <a:p>
             <a:r>
-              <a:rPr lang="en-US" smtClean="0"/>
+              <a:rPr lang="en-US"/>
               <a:t>Click to edit Master title style</a:t>
             </a:r>
-            <a:endParaRPr lang="en-US"/>
           </a:p>
         </p:txBody>
       </p:sp>
@@ -439,38 +433,37 @@
           <a:p>
             <a:pPr lvl="0"/>
             <a:r>
-              <a:rPr lang="en-US" smtClean="0"/>
+              <a:rPr lang="en-US"/>
               <a:t>Click to edit Master text styles</a:t>
             </a:r>
           </a:p>
           <a:p>
             <a:pPr lvl="1"/>
             <a:r>
-              <a:rPr lang="en-US" smtClean="0"/>
+              <a:rPr lang="en-US"/>
               <a:t>Second level</a:t>
             </a:r>
           </a:p>
           <a:p>
             <a:pPr lvl="2"/>
             <a:r>
-              <a:rPr lang="en-US" smtClean="0"/>
+              <a:rPr lang="en-US"/>
               <a:t>Third level</a:t>
             </a:r>
           </a:p>
           <a:p>
             <a:pPr lvl="3"/>
             <a:r>
-              <a:rPr lang="en-US" smtClean="0"/>
+              <a:rPr lang="en-US"/>
               <a:t>Fourth level</a:t>
             </a:r>
           </a:p>
           <a:p>
             <a:pPr lvl="4"/>
             <a:r>
-              <a:rPr lang="en-US" smtClean="0"/>
+              <a:rPr lang="en-US"/>
               <a:t>Fifth level</a:t>
             </a:r>
-            <a:endParaRPr lang="en-US"/>
           </a:p>
         </p:txBody>
       </p:sp>
@@ -491,7 +484,7 @@
           <a:p>
             <a:fld id="{241EB5C9-1307-BA42-ABA2-0BC069CD8E7F}" type="datetimeFigureOut">
               <a:rPr lang="en-US" smtClean="0"/>
-              <a:t>4/5/2019</a:t>
+              <a:t>1/2/22</a:t>
             </a:fld>
             <a:endParaRPr lang="en-US"/>
           </a:p>
@@ -581,8 +574,8 @@
         </p:nvSpPr>
         <p:spPr>
           <a:xfrm>
-            <a:off x="6629400" y="274638"/>
-            <a:ext cx="2057400" cy="5851525"/>
+            <a:off x="6629400" y="205979"/>
+            <a:ext cx="2057400" cy="4388644"/>
           </a:xfrm>
         </p:spPr>
         <p:txBody>
@@ -590,10 +583,9 @@
           <a:lstStyle/>
           <a:p>
             <a:r>
-              <a:rPr lang="en-US" smtClean="0"/>
+              <a:rPr lang="en-US"/>
               <a:t>Click to edit Master title style</a:t>
             </a:r>
-            <a:endParaRPr lang="en-US"/>
           </a:p>
         </p:txBody>
       </p:sp>
@@ -609,8 +601,8 @@
         </p:nvSpPr>
         <p:spPr>
           <a:xfrm>
-            <a:off x="457200" y="274638"/>
-            <a:ext cx="6019800" cy="5851525"/>
+            <a:off x="457200" y="205979"/>
+            <a:ext cx="6019800" cy="4388644"/>
           </a:xfrm>
         </p:spPr>
         <p:txBody>
@@ -619,38 +611,37 @@
           <a:p>
             <a:pPr lvl="0"/>
             <a:r>
-              <a:rPr lang="en-US" smtClean="0"/>
+              <a:rPr lang="en-US"/>
               <a:t>Click to edit Master text styles</a:t>
             </a:r>
           </a:p>
           <a:p>
             <a:pPr lvl="1"/>
             <a:r>
-              <a:rPr lang="en-US" smtClean="0"/>
+              <a:rPr lang="en-US"/>
               <a:t>Second level</a:t>
             </a:r>
           </a:p>
           <a:p>
             <a:pPr lvl="2"/>
             <a:r>
-              <a:rPr lang="en-US" smtClean="0"/>
+              <a:rPr lang="en-US"/>
               <a:t>Third level</a:t>
             </a:r>
           </a:p>
           <a:p>
             <a:pPr lvl="3"/>
             <a:r>
-              <a:rPr lang="en-US" smtClean="0"/>
+              <a:rPr lang="en-US"/>
               <a:t>Fourth level</a:t>
             </a:r>
           </a:p>
           <a:p>
             <a:pPr lvl="4"/>
             <a:r>
-              <a:rPr lang="en-US" smtClean="0"/>
+              <a:rPr lang="en-US"/>
               <a:t>Fifth level</a:t>
             </a:r>
-            <a:endParaRPr lang="en-US"/>
           </a:p>
         </p:txBody>
       </p:sp>
@@ -671,7 +662,7 @@
           <a:p>
             <a:fld id="{241EB5C9-1307-BA42-ABA2-0BC069CD8E7F}" type="datetimeFigureOut">
               <a:rPr lang="en-US" smtClean="0"/>
-              <a:t>4/5/2019</a:t>
+              <a:t>1/2/22</a:t>
             </a:fld>
             <a:endParaRPr lang="en-US"/>
           </a:p>
@@ -765,10 +756,9 @@
           <a:lstStyle/>
           <a:p>
             <a:r>
-              <a:rPr lang="en-US" smtClean="0"/>
+              <a:rPr lang="en-US"/>
               <a:t>Click to edit Master title style</a:t>
             </a:r>
-            <a:endParaRPr lang="en-US"/>
           </a:p>
         </p:txBody>
       </p:sp>
@@ -789,38 +779,37 @@
           <a:p>
             <a:pPr lvl="0"/>
             <a:r>
-              <a:rPr lang="en-US" smtClean="0"/>
+              <a:rPr lang="en-US"/>
               <a:t>Click to edit Master text styles</a:t>
             </a:r>
           </a:p>
           <a:p>
             <a:pPr lvl="1"/>
             <a:r>
-              <a:rPr lang="en-US" smtClean="0"/>
+              <a:rPr lang="en-US"/>
               <a:t>Second level</a:t>
             </a:r>
           </a:p>
           <a:p>
             <a:pPr lvl="2"/>
             <a:r>
-              <a:rPr lang="en-US" smtClean="0"/>
+              <a:rPr lang="en-US"/>
               <a:t>Third level</a:t>
             </a:r>
           </a:p>
           <a:p>
             <a:pPr lvl="3"/>
             <a:r>
-              <a:rPr lang="en-US" smtClean="0"/>
+              <a:rPr lang="en-US"/>
               <a:t>Fourth level</a:t>
             </a:r>
           </a:p>
           <a:p>
             <a:pPr lvl="4"/>
             <a:r>
-              <a:rPr lang="en-US" smtClean="0"/>
+              <a:rPr lang="en-US"/>
               <a:t>Fifth level</a:t>
             </a:r>
-            <a:endParaRPr lang="en-US"/>
           </a:p>
         </p:txBody>
       </p:sp>
@@ -841,7 +830,7 @@
           <a:p>
             <a:fld id="{241EB5C9-1307-BA42-ABA2-0BC069CD8E7F}" type="datetimeFigureOut">
               <a:rPr lang="en-US" smtClean="0"/>
-              <a:t>4/5/2019</a:t>
+              <a:t>1/2/22</a:t>
             </a:fld>
             <a:endParaRPr lang="en-US"/>
           </a:p>
@@ -931,23 +920,22 @@
         </p:nvSpPr>
         <p:spPr>
           <a:xfrm>
-            <a:off x="722313" y="4406900"/>
-            <a:ext cx="7772400" cy="1362075"/>
+            <a:off x="722313" y="3305176"/>
+            <a:ext cx="7772400" cy="1021556"/>
           </a:xfrm>
         </p:spPr>
         <p:txBody>
           <a:bodyPr anchor="t"/>
           <a:lstStyle>
             <a:lvl1pPr algn="l">
-              <a:defRPr sz="4000" b="1" cap="all"/>
+              <a:defRPr sz="3000" b="1" cap="all"/>
             </a:lvl1pPr>
           </a:lstStyle>
           <a:p>
             <a:r>
-              <a:rPr lang="en-US" smtClean="0"/>
+              <a:rPr lang="en-US"/>
               <a:t>Click to edit Master title style</a:t>
             </a:r>
-            <a:endParaRPr lang="en-US"/>
           </a:p>
         </p:txBody>
       </p:sp>
@@ -963,8 +951,8 @@
         </p:nvSpPr>
         <p:spPr>
           <a:xfrm>
-            <a:off x="722313" y="2906713"/>
-            <a:ext cx="7772400" cy="1500187"/>
+            <a:off x="722313" y="2180035"/>
+            <a:ext cx="7772400" cy="1125140"/>
           </a:xfrm>
         </p:spPr>
         <p:txBody>
@@ -972,7 +960,7 @@
           <a:lstStyle>
             <a:lvl1pPr marL="0" indent="0">
               <a:buNone/>
-              <a:defRPr sz="2000">
+              <a:defRPr sz="1500">
                 <a:solidFill>
                   <a:schemeClr val="tx1">
                     <a:tint val="75000"/>
@@ -980,9 +968,9 @@
                 </a:solidFill>
               </a:defRPr>
             </a:lvl1pPr>
-            <a:lvl2pPr marL="457200" indent="0">
-              <a:buNone/>
-              <a:defRPr sz="1800">
+            <a:lvl2pPr marL="342900" indent="0">
+              <a:buNone/>
+              <a:defRPr sz="1350">
                 <a:solidFill>
                   <a:schemeClr val="tx1">
                     <a:tint val="75000"/>
@@ -990,9 +978,9 @@
                 </a:solidFill>
               </a:defRPr>
             </a:lvl2pPr>
-            <a:lvl3pPr marL="914400" indent="0">
-              <a:buNone/>
-              <a:defRPr sz="1600">
+            <a:lvl3pPr marL="685800" indent="0">
+              <a:buNone/>
+              <a:defRPr sz="1200">
                 <a:solidFill>
                   <a:schemeClr val="tx1">
                     <a:tint val="75000"/>
@@ -1000,9 +988,9 @@
                 </a:solidFill>
               </a:defRPr>
             </a:lvl3pPr>
-            <a:lvl4pPr marL="1371600" indent="0">
-              <a:buNone/>
-              <a:defRPr sz="1400">
+            <a:lvl4pPr marL="1028700" indent="0">
+              <a:buNone/>
+              <a:defRPr sz="1050">
                 <a:solidFill>
                   <a:schemeClr val="tx1">
                     <a:tint val="75000"/>
@@ -1010,9 +998,9 @@
                 </a:solidFill>
               </a:defRPr>
             </a:lvl4pPr>
-            <a:lvl5pPr marL="1828800" indent="0">
-              <a:buNone/>
-              <a:defRPr sz="1400">
+            <a:lvl5pPr marL="1371600" indent="0">
+              <a:buNone/>
+              <a:defRPr sz="1050">
                 <a:solidFill>
                   <a:schemeClr val="tx1">
                     <a:tint val="75000"/>
@@ -1020,9 +1008,9 @@
                 </a:solidFill>
               </a:defRPr>
             </a:lvl5pPr>
-            <a:lvl6pPr marL="2286000" indent="0">
-              <a:buNone/>
-              <a:defRPr sz="1400">
+            <a:lvl6pPr marL="1714500" indent="0">
+              <a:buNone/>
+              <a:defRPr sz="1050">
                 <a:solidFill>
                   <a:schemeClr val="tx1">
                     <a:tint val="75000"/>
@@ -1030,9 +1018,9 @@
                 </a:solidFill>
               </a:defRPr>
             </a:lvl6pPr>
-            <a:lvl7pPr marL="2743200" indent="0">
-              <a:buNone/>
-              <a:defRPr sz="1400">
+            <a:lvl7pPr marL="2057400" indent="0">
+              <a:buNone/>
+              <a:defRPr sz="1050">
                 <a:solidFill>
                   <a:schemeClr val="tx1">
                     <a:tint val="75000"/>
@@ -1040,9 +1028,9 @@
                 </a:solidFill>
               </a:defRPr>
             </a:lvl7pPr>
-            <a:lvl8pPr marL="3200400" indent="0">
-              <a:buNone/>
-              <a:defRPr sz="1400">
+            <a:lvl8pPr marL="2400300" indent="0">
+              <a:buNone/>
+              <a:defRPr sz="1050">
                 <a:solidFill>
                   <a:schemeClr val="tx1">
                     <a:tint val="75000"/>
@@ -1050,9 +1038,9 @@
                 </a:solidFill>
               </a:defRPr>
             </a:lvl8pPr>
-            <a:lvl9pPr marL="3657600" indent="0">
-              <a:buNone/>
-              <a:defRPr sz="1400">
+            <a:lvl9pPr marL="2743200" indent="0">
+              <a:buNone/>
+              <a:defRPr sz="1050">
                 <a:solidFill>
                   <a:schemeClr val="tx1">
                     <a:tint val="75000"/>
@@ -1064,7 +1052,7 @@
           <a:p>
             <a:pPr lvl="0"/>
             <a:r>
-              <a:rPr lang="en-US" smtClean="0"/>
+              <a:rPr lang="en-US"/>
               <a:t>Click to edit Master text styles</a:t>
             </a:r>
           </a:p>
@@ -1087,7 +1075,7 @@
           <a:p>
             <a:fld id="{241EB5C9-1307-BA42-ABA2-0BC069CD8E7F}" type="datetimeFigureOut">
               <a:rPr lang="en-US" smtClean="0"/>
-              <a:t>4/5/2019</a:t>
+              <a:t>1/2/22</a:t>
             </a:fld>
             <a:endParaRPr lang="en-US"/>
           </a:p>
@@ -1181,10 +1169,9 @@
           <a:lstStyle/>
           <a:p>
             <a:r>
-              <a:rPr lang="en-US" smtClean="0"/>
+              <a:rPr lang="en-US"/>
               <a:t>Click to edit Master title style</a:t>
             </a:r>
-            <a:endParaRPr lang="en-US"/>
           </a:p>
         </p:txBody>
       </p:sp>
@@ -1200,76 +1187,75 @@
         </p:nvSpPr>
         <p:spPr>
           <a:xfrm>
-            <a:off x="457200" y="1600200"/>
-            <a:ext cx="4038600" cy="4525963"/>
+            <a:off x="457200" y="1200151"/>
+            <a:ext cx="4038600" cy="3394472"/>
           </a:xfrm>
         </p:spPr>
         <p:txBody>
           <a:bodyPr/>
           <a:lstStyle>
             <a:lvl1pPr>
-              <a:defRPr sz="2800"/>
+              <a:defRPr sz="2100"/>
             </a:lvl1pPr>
             <a:lvl2pPr>
-              <a:defRPr sz="2400"/>
+              <a:defRPr sz="1800"/>
             </a:lvl2pPr>
             <a:lvl3pPr>
-              <a:defRPr sz="2000"/>
+              <a:defRPr sz="1500"/>
             </a:lvl3pPr>
             <a:lvl4pPr>
-              <a:defRPr sz="1800"/>
+              <a:defRPr sz="1350"/>
             </a:lvl4pPr>
             <a:lvl5pPr>
-              <a:defRPr sz="1800"/>
+              <a:defRPr sz="1350"/>
             </a:lvl5pPr>
             <a:lvl6pPr>
-              <a:defRPr sz="1800"/>
+              <a:defRPr sz="1350"/>
             </a:lvl6pPr>
             <a:lvl7pPr>
-              <a:defRPr sz="1800"/>
+              <a:defRPr sz="1350"/>
             </a:lvl7pPr>
             <a:lvl8pPr>
-              <a:defRPr sz="1800"/>
+              <a:defRPr sz="1350"/>
             </a:lvl8pPr>
             <a:lvl9pPr>
-              <a:defRPr sz="1800"/>
+              <a:defRPr sz="1350"/>
             </a:lvl9pPr>
           </a:lstStyle>
           <a:p>
             <a:pPr lvl="0"/>
             <a:r>
-              <a:rPr lang="en-US" smtClean="0"/>
+              <a:rPr lang="en-US"/>
               <a:t>Click to edit Master text styles</a:t>
             </a:r>
           </a:p>
           <a:p>
             <a:pPr lvl="1"/>
             <a:r>
-              <a:rPr lang="en-US" smtClean="0"/>
+              <a:rPr lang="en-US"/>
               <a:t>Second level</a:t>
             </a:r>
           </a:p>
           <a:p>
             <a:pPr lvl="2"/>
             <a:r>
-              <a:rPr lang="en-US" smtClean="0"/>
+              <a:rPr lang="en-US"/>
               <a:t>Third level</a:t>
             </a:r>
           </a:p>
           <a:p>
             <a:pPr lvl="3"/>
             <a:r>
-              <a:rPr lang="en-US" smtClean="0"/>
+              <a:rPr lang="en-US"/>
               <a:t>Fourth level</a:t>
             </a:r>
           </a:p>
           <a:p>
             <a:pPr lvl="4"/>
             <a:r>
-              <a:rPr lang="en-US" smtClean="0"/>
+              <a:rPr lang="en-US"/>
               <a:t>Fifth level</a:t>
             </a:r>
-            <a:endParaRPr lang="en-US"/>
           </a:p>
         </p:txBody>
       </p:sp>
@@ -1285,76 +1271,75 @@
         </p:nvSpPr>
         <p:spPr>
           <a:xfrm>
-            <a:off x="4648200" y="1600200"/>
-            <a:ext cx="4038600" cy="4525963"/>
+            <a:off x="4648200" y="1200151"/>
+            <a:ext cx="4038600" cy="3394472"/>
           </a:xfrm>
         </p:spPr>
         <p:txBody>
           <a:bodyPr/>
           <a:lstStyle>
             <a:lvl1pPr>
-              <a:defRPr sz="2800"/>
+              <a:defRPr sz="2100"/>
             </a:lvl1pPr>
             <a:lvl2pPr>
-              <a:defRPr sz="2400"/>
+              <a:defRPr sz="1800"/>
             </a:lvl2pPr>
             <a:lvl3pPr>
-              <a:defRPr sz="2000"/>
+              <a:defRPr sz="1500"/>
             </a:lvl3pPr>
             <a:lvl4pPr>
-              <a:defRPr sz="1800"/>
+              <a:defRPr sz="1350"/>
             </a:lvl4pPr>
             <a:lvl5pPr>
-              <a:defRPr sz="1800"/>
+              <a:defRPr sz="1350"/>
             </a:lvl5pPr>
             <a:lvl6pPr>
-              <a:defRPr sz="1800"/>
+              <a:defRPr sz="1350"/>
             </a:lvl6pPr>
             <a:lvl7pPr>
-              <a:defRPr sz="1800"/>
+              <a:defRPr sz="1350"/>
             </a:lvl7pPr>
             <a:lvl8pPr>
-              <a:defRPr sz="1800"/>
+              <a:defRPr sz="1350"/>
             </a:lvl8pPr>
             <a:lvl9pPr>
-              <a:defRPr sz="1800"/>
+              <a:defRPr sz="1350"/>
             </a:lvl9pPr>
           </a:lstStyle>
           <a:p>
             <a:pPr lvl="0"/>
             <a:r>
-              <a:rPr lang="en-US" smtClean="0"/>
+              <a:rPr lang="en-US"/>
               <a:t>Click to edit Master text styles</a:t>
             </a:r>
           </a:p>
           <a:p>
             <a:pPr lvl="1"/>
             <a:r>
-              <a:rPr lang="en-US" smtClean="0"/>
+              <a:rPr lang="en-US"/>
               <a:t>Second level</a:t>
             </a:r>
           </a:p>
           <a:p>
             <a:pPr lvl="2"/>
             <a:r>
-              <a:rPr lang="en-US" smtClean="0"/>
+              <a:rPr lang="en-US"/>
               <a:t>Third level</a:t>
             </a:r>
           </a:p>
           <a:p>
             <a:pPr lvl="3"/>
             <a:r>
-              <a:rPr lang="en-US" smtClean="0"/>
+              <a:rPr lang="en-US"/>
               <a:t>Fourth level</a:t>
             </a:r>
           </a:p>
           <a:p>
             <a:pPr lvl="4"/>
             <a:r>
-              <a:rPr lang="en-US" smtClean="0"/>
+              <a:rPr lang="en-US"/>
               <a:t>Fifth level</a:t>
             </a:r>
-            <a:endParaRPr lang="en-US"/>
           </a:p>
         </p:txBody>
       </p:sp>
@@ -1375,7 +1360,7 @@
           <a:p>
             <a:fld id="{241EB5C9-1307-BA42-ABA2-0BC069CD8E7F}" type="datetimeFigureOut">
               <a:rPr lang="en-US" smtClean="0"/>
-              <a:t>4/5/2019</a:t>
+              <a:t>1/2/22</a:t>
             </a:fld>
             <a:endParaRPr lang="en-US"/>
           </a:p>
@@ -1473,10 +1458,9 @@
           </a:lstStyle>
           <a:p>
             <a:r>
-              <a:rPr lang="en-US" smtClean="0"/>
+              <a:rPr lang="en-US"/>
               <a:t>Click to edit Master title style</a:t>
             </a:r>
-            <a:endParaRPr lang="en-US"/>
           </a:p>
         </p:txBody>
       </p:sp>
@@ -1492,8 +1476,8 @@
         </p:nvSpPr>
         <p:spPr>
           <a:xfrm>
-            <a:off x="457200" y="1535113"/>
-            <a:ext cx="4040188" cy="639762"/>
+            <a:off x="457200" y="1151335"/>
+            <a:ext cx="4040188" cy="479822"/>
           </a:xfrm>
         </p:spPr>
         <p:txBody>
@@ -1501,45 +1485,45 @@
           <a:lstStyle>
             <a:lvl1pPr marL="0" indent="0">
               <a:buNone/>
-              <a:defRPr sz="2400" b="1"/>
+              <a:defRPr sz="1800" b="1"/>
             </a:lvl1pPr>
-            <a:lvl2pPr marL="457200" indent="0">
-              <a:buNone/>
-              <a:defRPr sz="2000" b="1"/>
+            <a:lvl2pPr marL="342900" indent="0">
+              <a:buNone/>
+              <a:defRPr sz="1500" b="1"/>
             </a:lvl2pPr>
-            <a:lvl3pPr marL="914400" indent="0">
-              <a:buNone/>
-              <a:defRPr sz="1800" b="1"/>
+            <a:lvl3pPr marL="685800" indent="0">
+              <a:buNone/>
+              <a:defRPr sz="1350" b="1"/>
             </a:lvl3pPr>
-            <a:lvl4pPr marL="1371600" indent="0">
-              <a:buNone/>
-              <a:defRPr sz="1600" b="1"/>
+            <a:lvl4pPr marL="1028700" indent="0">
+              <a:buNone/>
+              <a:defRPr sz="1200" b="1"/>
             </a:lvl4pPr>
-            <a:lvl5pPr marL="1828800" indent="0">
-              <a:buNone/>
-              <a:defRPr sz="1600" b="1"/>
+            <a:lvl5pPr marL="1371600" indent="0">
+              <a:buNone/>
+              <a:defRPr sz="1200" b="1"/>
             </a:lvl5pPr>
-            <a:lvl6pPr marL="2286000" indent="0">
-              <a:buNone/>
-              <a:defRPr sz="1600" b="1"/>
+            <a:lvl6pPr marL="1714500" indent="0">
+              <a:buNone/>
+              <a:defRPr sz="1200" b="1"/>
             </a:lvl6pPr>
-            <a:lvl7pPr marL="2743200" indent="0">
-              <a:buNone/>
-              <a:defRPr sz="1600" b="1"/>
+            <a:lvl7pPr marL="2057400" indent="0">
+              <a:buNone/>
+              <a:defRPr sz="1200" b="1"/>
             </a:lvl7pPr>
-            <a:lvl8pPr marL="3200400" indent="0">
-              <a:buNone/>
-              <a:defRPr sz="1600" b="1"/>
+            <a:lvl8pPr marL="2400300" indent="0">
+              <a:buNone/>
+              <a:defRPr sz="1200" b="1"/>
             </a:lvl8pPr>
-            <a:lvl9pPr marL="3657600" indent="0">
-              <a:buNone/>
-              <a:defRPr sz="1600" b="1"/>
+            <a:lvl9pPr marL="2743200" indent="0">
+              <a:buNone/>
+              <a:defRPr sz="1200" b="1"/>
             </a:lvl9pPr>
           </a:lstStyle>
           <a:p>
             <a:pPr lvl="0"/>
             <a:r>
-              <a:rPr lang="en-US" smtClean="0"/>
+              <a:rPr lang="en-US"/>
               <a:t>Click to edit Master text styles</a:t>
             </a:r>
           </a:p>
@@ -1557,76 +1541,75 @@
         </p:nvSpPr>
         <p:spPr>
           <a:xfrm>
-            <a:off x="457200" y="2174875"/>
-            <a:ext cx="4040188" cy="3951288"/>
+            <a:off x="457200" y="1631156"/>
+            <a:ext cx="4040188" cy="2963466"/>
           </a:xfrm>
         </p:spPr>
         <p:txBody>
           <a:bodyPr/>
           <a:lstStyle>
             <a:lvl1pPr>
-              <a:defRPr sz="2400"/>
+              <a:defRPr sz="1800"/>
             </a:lvl1pPr>
             <a:lvl2pPr>
-              <a:defRPr sz="2000"/>
+              <a:defRPr sz="1500"/>
             </a:lvl2pPr>
             <a:lvl3pPr>
-              <a:defRPr sz="1800"/>
+              <a:defRPr sz="1350"/>
             </a:lvl3pPr>
             <a:lvl4pPr>
-              <a:defRPr sz="1600"/>
+              <a:defRPr sz="1200"/>
             </a:lvl4pPr>
             <a:lvl5pPr>
-              <a:defRPr sz="1600"/>
+              <a:defRPr sz="1200"/>
             </a:lvl5pPr>
             <a:lvl6pPr>
-              <a:defRPr sz="1600"/>
+              <a:defRPr sz="1200"/>
             </a:lvl6pPr>
             <a:lvl7pPr>
-              <a:defRPr sz="1600"/>
+              <a:defRPr sz="1200"/>
             </a:lvl7pPr>
             <a:lvl8pPr>
-              <a:defRPr sz="1600"/>
+              <a:defRPr sz="1200"/>
             </a:lvl8pPr>
             <a:lvl9pPr>
-              <a:defRPr sz="1600"/>
+              <a:defRPr sz="1200"/>
             </a:lvl9pPr>
           </a:lstStyle>
           <a:p>
             <a:pPr lvl="0"/>
             <a:r>
-              <a:rPr lang="en-US" smtClean="0"/>
+              <a:rPr lang="en-US"/>
               <a:t>Click to edit Master text styles</a:t>
             </a:r>
           </a:p>
           <a:p>
             <a:pPr lvl="1"/>
             <a:r>
-              <a:rPr lang="en-US" smtClean="0"/>
+              <a:rPr lang="en-US"/>
               <a:t>Second level</a:t>
             </a:r>
           </a:p>
           <a:p>
             <a:pPr lvl="2"/>
             <a:r>
-              <a:rPr lang="en-US" smtClean="0"/>
+              <a:rPr lang="en-US"/>
               <a:t>Third level</a:t>
             </a:r>
           </a:p>
           <a:p>
             <a:pPr lvl="3"/>
             <a:r>
-              <a:rPr lang="en-US" smtClean="0"/>
+              <a:rPr lang="en-US"/>
               <a:t>Fourth level</a:t>
             </a:r>
           </a:p>
           <a:p>
             <a:pPr lvl="4"/>
             <a:r>
-              <a:rPr lang="en-US" smtClean="0"/>
+              <a:rPr lang="en-US"/>
               <a:t>Fifth level</a:t>
             </a:r>
-            <a:endParaRPr lang="en-US"/>
           </a:p>
         </p:txBody>
       </p:sp>
@@ -1642,8 +1625,8 @@
         </p:nvSpPr>
         <p:spPr>
           <a:xfrm>
-            <a:off x="4645025" y="1535113"/>
-            <a:ext cx="4041775" cy="639762"/>
+            <a:off x="4645026" y="1151335"/>
+            <a:ext cx="4041775" cy="479822"/>
           </a:xfrm>
         </p:spPr>
         <p:txBody>
@@ -1651,45 +1634,45 @@
           <a:lstStyle>
             <a:lvl1pPr marL="0" indent="0">
               <a:buNone/>
-              <a:defRPr sz="2400" b="1"/>
+              <a:defRPr sz="1800" b="1"/>
             </a:lvl1pPr>
-            <a:lvl2pPr marL="457200" indent="0">
-              <a:buNone/>
-              <a:defRPr sz="2000" b="1"/>
+            <a:lvl2pPr marL="342900" indent="0">
+              <a:buNone/>
+              <a:defRPr sz="1500" b="1"/>
             </a:lvl2pPr>
-            <a:lvl3pPr marL="914400" indent="0">
-              <a:buNone/>
-              <a:defRPr sz="1800" b="1"/>
+            <a:lvl3pPr marL="685800" indent="0">
+              <a:buNone/>
+              <a:defRPr sz="1350" b="1"/>
             </a:lvl3pPr>
-            <a:lvl4pPr marL="1371600" indent="0">
-              <a:buNone/>
-              <a:defRPr sz="1600" b="1"/>
+            <a:lvl4pPr marL="1028700" indent="0">
+              <a:buNone/>
+              <a:defRPr sz="1200" b="1"/>
             </a:lvl4pPr>
-            <a:lvl5pPr marL="1828800" indent="0">
-              <a:buNone/>
-              <a:defRPr sz="1600" b="1"/>
+            <a:lvl5pPr marL="1371600" indent="0">
+              <a:buNone/>
+              <a:defRPr sz="1200" b="1"/>
             </a:lvl5pPr>
-            <a:lvl6pPr marL="2286000" indent="0">
-              <a:buNone/>
-              <a:defRPr sz="1600" b="1"/>
+            <a:lvl6pPr marL="1714500" indent="0">
+              <a:buNone/>
+              <a:defRPr sz="1200" b="1"/>
             </a:lvl6pPr>
-            <a:lvl7pPr marL="2743200" indent="0">
-              <a:buNone/>
-              <a:defRPr sz="1600" b="1"/>
+            <a:lvl7pPr marL="2057400" indent="0">
+              <a:buNone/>
+              <a:defRPr sz="1200" b="1"/>
             </a:lvl7pPr>
-            <a:lvl8pPr marL="3200400" indent="0">
-              <a:buNone/>
-              <a:defRPr sz="1600" b="1"/>
+            <a:lvl8pPr marL="2400300" indent="0">
+              <a:buNone/>
+              <a:defRPr sz="1200" b="1"/>
             </a:lvl8pPr>
-            <a:lvl9pPr marL="3657600" indent="0">
-              <a:buNone/>
-              <a:defRPr sz="1600" b="1"/>
+            <a:lvl9pPr marL="2743200" indent="0">
+              <a:buNone/>
+              <a:defRPr sz="1200" b="1"/>
             </a:lvl9pPr>
           </a:lstStyle>
           <a:p>
             <a:pPr lvl="0"/>
             <a:r>
-              <a:rPr lang="en-US" smtClean="0"/>
+              <a:rPr lang="en-US"/>
               <a:t>Click to edit Master text styles</a:t>
             </a:r>
           </a:p>
@@ -1707,76 +1690,75 @@
         </p:nvSpPr>
         <p:spPr>
           <a:xfrm>
-            <a:off x="4645025" y="2174875"/>
-            <a:ext cx="4041775" cy="3951288"/>
+            <a:off x="4645026" y="1631156"/>
+            <a:ext cx="4041775" cy="2963466"/>
           </a:xfrm>
         </p:spPr>
         <p:txBody>
           <a:bodyPr/>
           <a:lstStyle>
             <a:lvl1pPr>
-              <a:defRPr sz="2400"/>
+              <a:defRPr sz="1800"/>
             </a:lvl1pPr>
             <a:lvl2pPr>
-              <a:defRPr sz="2000"/>
+              <a:defRPr sz="1500"/>
             </a:lvl2pPr>
             <a:lvl3pPr>
-              <a:defRPr sz="1800"/>
+              <a:defRPr sz="1350"/>
             </a:lvl3pPr>
             <a:lvl4pPr>
-              <a:defRPr sz="1600"/>
+              <a:defRPr sz="1200"/>
             </a:lvl4pPr>
             <a:lvl5pPr>
-              <a:defRPr sz="1600"/>
+              <a:defRPr sz="1200"/>
             </a:lvl5pPr>
             <a:lvl6pPr>
-              <a:defRPr sz="1600"/>
+              <a:defRPr sz="1200"/>
             </a:lvl6pPr>
             <a:lvl7pPr>
-              <a:defRPr sz="1600"/>
+              <a:defRPr sz="1200"/>
             </a:lvl7pPr>
             <a:lvl8pPr>
-              <a:defRPr sz="1600"/>
+              <a:defRPr sz="1200"/>
             </a:lvl8pPr>
             <a:lvl9pPr>
-              <a:defRPr sz="1600"/>
+              <a:defRPr sz="1200"/>
             </a:lvl9pPr>
           </a:lstStyle>
           <a:p>
             <a:pPr lvl="0"/>
             <a:r>
-              <a:rPr lang="en-US" smtClean="0"/>
+              <a:rPr lang="en-US"/>
               <a:t>Click to edit Master text styles</a:t>
             </a:r>
           </a:p>
           <a:p>
             <a:pPr lvl="1"/>
             <a:r>
-              <a:rPr lang="en-US" smtClean="0"/>
+              <a:rPr lang="en-US"/>
               <a:t>Second level</a:t>
             </a:r>
           </a:p>
           <a:p>
             <a:pPr lvl="2"/>
             <a:r>
-              <a:rPr lang="en-US" smtClean="0"/>
+              <a:rPr lang="en-US"/>
               <a:t>Third level</a:t>
             </a:r>
           </a:p>
           <a:p>
             <a:pPr lvl="3"/>
             <a:r>
-              <a:rPr lang="en-US" smtClean="0"/>
+              <a:rPr lang="en-US"/>
               <a:t>Fourth level</a:t>
             </a:r>
           </a:p>
           <a:p>
             <a:pPr lvl="4"/>
             <a:r>
-              <a:rPr lang="en-US" smtClean="0"/>
+              <a:rPr lang="en-US"/>
               <a:t>Fifth level</a:t>
             </a:r>
-            <a:endParaRPr lang="en-US"/>
           </a:p>
         </p:txBody>
       </p:sp>
@@ -1797,7 +1779,7 @@
           <a:p>
             <a:fld id="{241EB5C9-1307-BA42-ABA2-0BC069CD8E7F}" type="datetimeFigureOut">
               <a:rPr lang="en-US" smtClean="0"/>
-              <a:t>4/5/2019</a:t>
+              <a:t>1/2/22</a:t>
             </a:fld>
             <a:endParaRPr lang="en-US"/>
           </a:p>
@@ -1891,10 +1873,9 @@
           <a:lstStyle/>
           <a:p>
             <a:r>
-              <a:rPr lang="en-US" smtClean="0"/>
+              <a:rPr lang="en-US"/>
               <a:t>Click to edit Master title style</a:t>
             </a:r>
-            <a:endParaRPr lang="en-US"/>
           </a:p>
         </p:txBody>
       </p:sp>
@@ -1915,7 +1896,7 @@
           <a:p>
             <a:fld id="{241EB5C9-1307-BA42-ABA2-0BC069CD8E7F}" type="datetimeFigureOut">
               <a:rPr lang="en-US" smtClean="0"/>
-              <a:t>4/5/2019</a:t>
+              <a:t>1/2/22</a:t>
             </a:fld>
             <a:endParaRPr lang="en-US"/>
           </a:p>
@@ -2010,7 +1991,7 @@
           <a:p>
             <a:fld id="{241EB5C9-1307-BA42-ABA2-0BC069CD8E7F}" type="datetimeFigureOut">
               <a:rPr lang="en-US" smtClean="0"/>
-              <a:t>4/5/2019</a:t>
+              <a:t>1/2/22</a:t>
             </a:fld>
             <a:endParaRPr lang="en-US"/>
           </a:p>
@@ -2100,23 +2081,22 @@
         </p:nvSpPr>
         <p:spPr>
           <a:xfrm>
-            <a:off x="457200" y="273050"/>
-            <a:ext cx="3008313" cy="1162050"/>
+            <a:off x="457201" y="204787"/>
+            <a:ext cx="3008313" cy="871538"/>
           </a:xfrm>
         </p:spPr>
         <p:txBody>
           <a:bodyPr anchor="b"/>
           <a:lstStyle>
             <a:lvl1pPr algn="l">
-              <a:defRPr sz="2000" b="1"/>
+              <a:defRPr sz="1500" b="1"/>
             </a:lvl1pPr>
           </a:lstStyle>
           <a:p>
             <a:r>
-              <a:rPr lang="en-US" smtClean="0"/>
+              <a:rPr lang="en-US"/>
               <a:t>Click to edit Master title style</a:t>
             </a:r>
-            <a:endParaRPr lang="en-US"/>
           </a:p>
         </p:txBody>
       </p:sp>
@@ -2132,76 +2112,75 @@
         </p:nvSpPr>
         <p:spPr>
           <a:xfrm>
-            <a:off x="3575050" y="273050"/>
-            <a:ext cx="5111750" cy="5853113"/>
+            <a:off x="3575050" y="204788"/>
+            <a:ext cx="5111750" cy="4389835"/>
           </a:xfrm>
         </p:spPr>
         <p:txBody>
           <a:bodyPr/>
           <a:lstStyle>
             <a:lvl1pPr>
-              <a:defRPr sz="3200"/>
+              <a:defRPr sz="2400"/>
             </a:lvl1pPr>
             <a:lvl2pPr>
-              <a:defRPr sz="2800"/>
+              <a:defRPr sz="2100"/>
             </a:lvl2pPr>
             <a:lvl3pPr>
-              <a:defRPr sz="2400"/>
+              <a:defRPr sz="1800"/>
             </a:lvl3pPr>
             <a:lvl4pPr>
-              <a:defRPr sz="2000"/>
+              <a:defRPr sz="1500"/>
             </a:lvl4pPr>
             <a:lvl5pPr>
-              <a:defRPr sz="2000"/>
+              <a:defRPr sz="1500"/>
             </a:lvl5pPr>
             <a:lvl6pPr>
-              <a:defRPr sz="2000"/>
+              <a:defRPr sz="1500"/>
             </a:lvl6pPr>
             <a:lvl7pPr>
-              <a:defRPr sz="2000"/>
+              <a:defRPr sz="1500"/>
             </a:lvl7pPr>
             <a:lvl8pPr>
-              <a:defRPr sz="2000"/>
+              <a:defRPr sz="1500"/>
             </a:lvl8pPr>
             <a:lvl9pPr>
-              <a:defRPr sz="2000"/>
+              <a:defRPr sz="1500"/>
             </a:lvl9pPr>
           </a:lstStyle>
           <a:p>
             <a:pPr lvl="0"/>
             <a:r>
-              <a:rPr lang="en-US" smtClean="0"/>
+              <a:rPr lang="en-US"/>
               <a:t>Click to edit Master text styles</a:t>
             </a:r>
           </a:p>
           <a:p>
             <a:pPr lvl="1"/>
             <a:r>
-              <a:rPr lang="en-US" smtClean="0"/>
+              <a:rPr lang="en-US"/>
               <a:t>Second level</a:t>
             </a:r>
           </a:p>
           <a:p>
             <a:pPr lvl="2"/>
             <a:r>
-              <a:rPr lang="en-US" smtClean="0"/>
+              <a:rPr lang="en-US"/>
               <a:t>Third level</a:t>
             </a:r>
           </a:p>
           <a:p>
             <a:pPr lvl="3"/>
             <a:r>
-              <a:rPr lang="en-US" smtClean="0"/>
+              <a:rPr lang="en-US"/>
               <a:t>Fourth level</a:t>
             </a:r>
           </a:p>
           <a:p>
             <a:pPr lvl="4"/>
             <a:r>
-              <a:rPr lang="en-US" smtClean="0"/>
+              <a:rPr lang="en-US"/>
               <a:t>Fifth level</a:t>
             </a:r>
-            <a:endParaRPr lang="en-US"/>
           </a:p>
         </p:txBody>
       </p:sp>
@@ -2217,8 +2196,8 @@
         </p:nvSpPr>
         <p:spPr>
           <a:xfrm>
-            <a:off x="457200" y="1435100"/>
-            <a:ext cx="3008313" cy="4691063"/>
+            <a:off x="457201" y="1076326"/>
+            <a:ext cx="3008313" cy="3518297"/>
           </a:xfrm>
         </p:spPr>
         <p:txBody>
@@ -2226,45 +2205,45 @@
           <a:lstStyle>
             <a:lvl1pPr marL="0" indent="0">
               <a:buNone/>
-              <a:defRPr sz="1400"/>
+              <a:defRPr sz="1050"/>
             </a:lvl1pPr>
-            <a:lvl2pPr marL="457200" indent="0">
-              <a:buNone/>
-              <a:defRPr sz="1200"/>
+            <a:lvl2pPr marL="342900" indent="0">
+              <a:buNone/>
+              <a:defRPr sz="900"/>
             </a:lvl2pPr>
-            <a:lvl3pPr marL="914400" indent="0">
-              <a:buNone/>
-              <a:defRPr sz="1000"/>
+            <a:lvl3pPr marL="685800" indent="0">
+              <a:buNone/>
+              <a:defRPr sz="750"/>
             </a:lvl3pPr>
-            <a:lvl4pPr marL="1371600" indent="0">
-              <a:buNone/>
-              <a:defRPr sz="900"/>
+            <a:lvl4pPr marL="1028700" indent="0">
+              <a:buNone/>
+              <a:defRPr sz="675"/>
             </a:lvl4pPr>
-            <a:lvl5pPr marL="1828800" indent="0">
-              <a:buNone/>
-              <a:defRPr sz="900"/>
+            <a:lvl5pPr marL="1371600" indent="0">
+              <a:buNone/>
+              <a:defRPr sz="675"/>
             </a:lvl5pPr>
-            <a:lvl6pPr marL="2286000" indent="0">
-              <a:buNone/>
-              <a:defRPr sz="900"/>
+            <a:lvl6pPr marL="1714500" indent="0">
+              <a:buNone/>
+              <a:defRPr sz="675"/>
             </a:lvl6pPr>
-            <a:lvl7pPr marL="2743200" indent="0">
-              <a:buNone/>
-              <a:defRPr sz="900"/>
+            <a:lvl7pPr marL="2057400" indent="0">
+              <a:buNone/>
+              <a:defRPr sz="675"/>
             </a:lvl7pPr>
-            <a:lvl8pPr marL="3200400" indent="0">
-              <a:buNone/>
-              <a:defRPr sz="900"/>
+            <a:lvl8pPr marL="2400300" indent="0">
+              <a:buNone/>
+              <a:defRPr sz="675"/>
             </a:lvl8pPr>
-            <a:lvl9pPr marL="3657600" indent="0">
-              <a:buNone/>
-              <a:defRPr sz="900"/>
+            <a:lvl9pPr marL="2743200" indent="0">
+              <a:buNone/>
+              <a:defRPr sz="675"/>
             </a:lvl9pPr>
           </a:lstStyle>
           <a:p>
             <a:pPr lvl="0"/>
             <a:r>
-              <a:rPr lang="en-US" smtClean="0"/>
+              <a:rPr lang="en-US"/>
               <a:t>Click to edit Master text styles</a:t>
             </a:r>
           </a:p>
@@ -2287,7 +2266,7 @@
           <a:p>
             <a:fld id="{241EB5C9-1307-BA42-ABA2-0BC069CD8E7F}" type="datetimeFigureOut">
               <a:rPr lang="en-US" smtClean="0"/>
-              <a:t>4/5/2019</a:t>
+              <a:t>1/2/22</a:t>
             </a:fld>
             <a:endParaRPr lang="en-US"/>
           </a:p>
@@ -2377,23 +2356,22 @@
         </p:nvSpPr>
         <p:spPr>
           <a:xfrm>
-            <a:off x="1792288" y="4800600"/>
-            <a:ext cx="5486400" cy="566738"/>
+            <a:off x="1792288" y="3600450"/>
+            <a:ext cx="5486400" cy="425054"/>
           </a:xfrm>
         </p:spPr>
         <p:txBody>
           <a:bodyPr anchor="b"/>
           <a:lstStyle>
             <a:lvl1pPr algn="l">
-              <a:defRPr sz="2000" b="1"/>
+              <a:defRPr sz="1500" b="1"/>
             </a:lvl1pPr>
           </a:lstStyle>
           <a:p>
             <a:r>
-              <a:rPr lang="en-US" smtClean="0"/>
+              <a:rPr lang="en-US"/>
               <a:t>Click to edit Master title style</a:t>
             </a:r>
-            <a:endParaRPr lang="en-US"/>
           </a:p>
         </p:txBody>
       </p:sp>
@@ -2409,8 +2387,8 @@
         </p:nvSpPr>
         <p:spPr>
           <a:xfrm>
-            <a:off x="1792288" y="612775"/>
-            <a:ext cx="5486400" cy="4114800"/>
+            <a:off x="1792288" y="459581"/>
+            <a:ext cx="5486400" cy="3086100"/>
           </a:xfrm>
         </p:spPr>
         <p:txBody>
@@ -2418,39 +2396,39 @@
           <a:lstStyle>
             <a:lvl1pPr marL="0" indent="0">
               <a:buNone/>
-              <a:defRPr sz="3200"/>
+              <a:defRPr sz="2400"/>
             </a:lvl1pPr>
-            <a:lvl2pPr marL="457200" indent="0">
-              <a:buNone/>
-              <a:defRPr sz="2800"/>
+            <a:lvl2pPr marL="342900" indent="0">
+              <a:buNone/>
+              <a:defRPr sz="2100"/>
             </a:lvl2pPr>
-            <a:lvl3pPr marL="914400" indent="0">
-              <a:buNone/>
-              <a:defRPr sz="2400"/>
+            <a:lvl3pPr marL="685800" indent="0">
+              <a:buNone/>
+              <a:defRPr sz="1800"/>
             </a:lvl3pPr>
-            <a:lvl4pPr marL="1371600" indent="0">
-              <a:buNone/>
-              <a:defRPr sz="2000"/>
+            <a:lvl4pPr marL="1028700" indent="0">
+              <a:buNone/>
+              <a:defRPr sz="1500"/>
             </a:lvl4pPr>
-            <a:lvl5pPr marL="1828800" indent="0">
-              <a:buNone/>
-              <a:defRPr sz="2000"/>
+            <a:lvl5pPr marL="1371600" indent="0">
+              <a:buNone/>
+              <a:defRPr sz="1500"/>
             </a:lvl5pPr>
-            <a:lvl6pPr marL="2286000" indent="0">
-              <a:buNone/>
-              <a:defRPr sz="2000"/>
+            <a:lvl6pPr marL="1714500" indent="0">
+              <a:buNone/>
+              <a:defRPr sz="1500"/>
             </a:lvl6pPr>
-            <a:lvl7pPr marL="2743200" indent="0">
-              <a:buNone/>
-              <a:defRPr sz="2000"/>
+            <a:lvl7pPr marL="2057400" indent="0">
+              <a:buNone/>
+              <a:defRPr sz="1500"/>
             </a:lvl7pPr>
-            <a:lvl8pPr marL="3200400" indent="0">
-              <a:buNone/>
-              <a:defRPr sz="2000"/>
+            <a:lvl8pPr marL="2400300" indent="0">
+              <a:buNone/>
+              <a:defRPr sz="1500"/>
             </a:lvl8pPr>
-            <a:lvl9pPr marL="3657600" indent="0">
-              <a:buNone/>
-              <a:defRPr sz="2000"/>
+            <a:lvl9pPr marL="2743200" indent="0">
+              <a:buNone/>
+              <a:defRPr sz="1500"/>
             </a:lvl9pPr>
           </a:lstStyle>
           <a:p>
@@ -2470,8 +2448,8 @@
         </p:nvSpPr>
         <p:spPr>
           <a:xfrm>
-            <a:off x="1792288" y="5367338"/>
-            <a:ext cx="5486400" cy="804862"/>
+            <a:off x="1792288" y="4025503"/>
+            <a:ext cx="5486400" cy="603647"/>
           </a:xfrm>
         </p:spPr>
         <p:txBody>
@@ -2479,45 +2457,45 @@
           <a:lstStyle>
             <a:lvl1pPr marL="0" indent="0">
               <a:buNone/>
-              <a:defRPr sz="1400"/>
+              <a:defRPr sz="1050"/>
             </a:lvl1pPr>
-            <a:lvl2pPr marL="457200" indent="0">
-              <a:buNone/>
-              <a:defRPr sz="1200"/>
+            <a:lvl2pPr marL="342900" indent="0">
+              <a:buNone/>
+              <a:defRPr sz="900"/>
             </a:lvl2pPr>
-            <a:lvl3pPr marL="914400" indent="0">
-              <a:buNone/>
-              <a:defRPr sz="1000"/>
+            <a:lvl3pPr marL="685800" indent="0">
+              <a:buNone/>
+              <a:defRPr sz="750"/>
             </a:lvl3pPr>
-            <a:lvl4pPr marL="1371600" indent="0">
-              <a:buNone/>
-              <a:defRPr sz="900"/>
+            <a:lvl4pPr marL="1028700" indent="0">
+              <a:buNone/>
+              <a:defRPr sz="675"/>
             </a:lvl4pPr>
-            <a:lvl5pPr marL="1828800" indent="0">
-              <a:buNone/>
-              <a:defRPr sz="900"/>
+            <a:lvl5pPr marL="1371600" indent="0">
+              <a:buNone/>
+              <a:defRPr sz="675"/>
             </a:lvl5pPr>
-            <a:lvl6pPr marL="2286000" indent="0">
-              <a:buNone/>
-              <a:defRPr sz="900"/>
+            <a:lvl6pPr marL="1714500" indent="0">
+              <a:buNone/>
+              <a:defRPr sz="675"/>
             </a:lvl6pPr>
-            <a:lvl7pPr marL="2743200" indent="0">
-              <a:buNone/>
-              <a:defRPr sz="900"/>
+            <a:lvl7pPr marL="2057400" indent="0">
+              <a:buNone/>
+              <a:defRPr sz="675"/>
             </a:lvl7pPr>
-            <a:lvl8pPr marL="3200400" indent="0">
-              <a:buNone/>
-              <a:defRPr sz="900"/>
+            <a:lvl8pPr marL="2400300" indent="0">
+              <a:buNone/>
+              <a:defRPr sz="675"/>
             </a:lvl8pPr>
-            <a:lvl9pPr marL="3657600" indent="0">
-              <a:buNone/>
-              <a:defRPr sz="900"/>
+            <a:lvl9pPr marL="2743200" indent="0">
+              <a:buNone/>
+              <a:defRPr sz="675"/>
             </a:lvl9pPr>
           </a:lstStyle>
           <a:p>
             <a:pPr lvl="0"/>
             <a:r>
-              <a:rPr lang="en-US" smtClean="0"/>
+              <a:rPr lang="en-US"/>
               <a:t>Click to edit Master text styles</a:t>
             </a:r>
           </a:p>
@@ -2540,7 +2518,7 @@
           <a:p>
             <a:fld id="{241EB5C9-1307-BA42-ABA2-0BC069CD8E7F}" type="datetimeFigureOut">
               <a:rPr lang="en-US" smtClean="0"/>
-              <a:t>4/5/2019</a:t>
+              <a:t>1/2/22</a:t>
             </a:fld>
             <a:endParaRPr lang="en-US"/>
           </a:p>
@@ -2635,8 +2613,8 @@
         </p:nvSpPr>
         <p:spPr>
           <a:xfrm>
-            <a:off x="457200" y="274638"/>
-            <a:ext cx="8229600" cy="1143000"/>
+            <a:off x="457200" y="205979"/>
+            <a:ext cx="8229600" cy="857250"/>
           </a:xfrm>
           <a:prstGeom prst="rect">
             <a:avLst/>
@@ -2649,10 +2627,9 @@
           <a:lstStyle/>
           <a:p>
             <a:r>
-              <a:rPr lang="en-US" smtClean="0"/>
+              <a:rPr lang="en-US"/>
               <a:t>Click to edit Master title style</a:t>
             </a:r>
-            <a:endParaRPr lang="en-US"/>
           </a:p>
         </p:txBody>
       </p:sp>
@@ -2668,8 +2645,8 @@
         </p:nvSpPr>
         <p:spPr>
           <a:xfrm>
-            <a:off x="457200" y="1600200"/>
-            <a:ext cx="8229600" cy="4525963"/>
+            <a:off x="457200" y="1200151"/>
+            <a:ext cx="8229600" cy="3394472"/>
           </a:xfrm>
           <a:prstGeom prst="rect">
             <a:avLst/>
@@ -2683,38 +2660,37 @@
           <a:p>
             <a:pPr lvl="0"/>
             <a:r>
-              <a:rPr lang="en-US" smtClean="0"/>
+              <a:rPr lang="en-US"/>
               <a:t>Click to edit Master text styles</a:t>
             </a:r>
           </a:p>
           <a:p>
             <a:pPr lvl="1"/>
             <a:r>
-              <a:rPr lang="en-US" smtClean="0"/>
+              <a:rPr lang="en-US"/>
               <a:t>Second level</a:t>
             </a:r>
           </a:p>
           <a:p>
             <a:pPr lvl="2"/>
             <a:r>
-              <a:rPr lang="en-US" smtClean="0"/>
+              <a:rPr lang="en-US"/>
               <a:t>Third level</a:t>
             </a:r>
           </a:p>
           <a:p>
             <a:pPr lvl="3"/>
             <a:r>
-              <a:rPr lang="en-US" smtClean="0"/>
+              <a:rPr lang="en-US"/>
               <a:t>Fourth level</a:t>
             </a:r>
           </a:p>
           <a:p>
             <a:pPr lvl="4"/>
             <a:r>
-              <a:rPr lang="en-US" smtClean="0"/>
+              <a:rPr lang="en-US"/>
               <a:t>Fifth level</a:t>
             </a:r>
-            <a:endParaRPr lang="en-US"/>
           </a:p>
         </p:txBody>
       </p:sp>
@@ -2730,8 +2706,8 @@
         </p:nvSpPr>
         <p:spPr>
           <a:xfrm>
-            <a:off x="457200" y="6356350"/>
-            <a:ext cx="2133600" cy="365125"/>
+            <a:off x="457200" y="4767263"/>
+            <a:ext cx="2133600" cy="273844"/>
           </a:xfrm>
           <a:prstGeom prst="rect">
             <a:avLst/>
@@ -2741,7 +2717,7 @@
           <a:bodyPr anchor="ctr" bIns="45720" lIns="91440" rIns="91440" rtlCol="0" tIns="45720" vert="horz"/>
           <a:lstStyle>
             <a:lvl1pPr algn="l">
-              <a:defRPr sz="1200">
+              <a:defRPr sz="900">
                 <a:solidFill>
                   <a:schemeClr val="tx1">
                     <a:tint val="75000"/>
@@ -2753,7 +2729,7 @@
           <a:p>
             <a:fld id="{241EB5C9-1307-BA42-ABA2-0BC069CD8E7F}" type="datetimeFigureOut">
               <a:rPr lang="en-US" smtClean="0"/>
-              <a:t>4/5/2019</a:t>
+              <a:t>1/2/22</a:t>
             </a:fld>
             <a:endParaRPr lang="en-US"/>
           </a:p>
@@ -2771,8 +2747,8 @@
         </p:nvSpPr>
         <p:spPr>
           <a:xfrm>
-            <a:off x="3124200" y="6356350"/>
-            <a:ext cx="2895600" cy="365125"/>
+            <a:off x="3124200" y="4767263"/>
+            <a:ext cx="2895600" cy="273844"/>
           </a:xfrm>
           <a:prstGeom prst="rect">
             <a:avLst/>
@@ -2782,7 +2758,7 @@
           <a:bodyPr anchor="ctr" bIns="45720" lIns="91440" rIns="91440" rtlCol="0" tIns="45720" vert="horz"/>
           <a:lstStyle>
             <a:lvl1pPr algn="ctr">
-              <a:defRPr sz="1200">
+              <a:defRPr sz="900">
                 <a:solidFill>
                   <a:schemeClr val="tx1">
                     <a:tint val="75000"/>
@@ -2808,8 +2784,8 @@
         </p:nvSpPr>
         <p:spPr>
           <a:xfrm>
-            <a:off x="6553200" y="6356350"/>
-            <a:ext cx="2133600" cy="365125"/>
+            <a:off x="6553200" y="4767263"/>
+            <a:ext cx="2133600" cy="273844"/>
           </a:xfrm>
           <a:prstGeom prst="rect">
             <a:avLst/>
@@ -2819,7 +2795,7 @@
           <a:bodyPr anchor="ctr" bIns="45720" lIns="91440" rIns="91440" rtlCol="0" tIns="45720" vert="horz"/>
           <a:lstStyle>
             <a:lvl1pPr algn="r">
-              <a:defRPr sz="1200">
+              <a:defRPr sz="900">
                 <a:solidFill>
                   <a:schemeClr val="tx1">
                     <a:tint val="75000"/>
@@ -2860,12 +2836,12 @@
   </p:sldLayoutIdLst>
   <p:txStyles>
     <p:titleStyle>
-      <a:lvl1pPr algn="ctr" defTabSz="457200" eaLnBrk="1" hangingPunct="1" latinLnBrk="0" rtl="0">
+      <a:lvl1pPr algn="ctr" defTabSz="342900" eaLnBrk="1" hangingPunct="1" latinLnBrk="0" rtl="0">
         <a:spcBef>
           <a:spcPct val="0"/>
         </a:spcBef>
         <a:buNone/>
-        <a:defRPr kern="1200" sz="4400">
+        <a:defRPr kern="1200" sz="3300">
           <a:solidFill>
             <a:schemeClr val="tx1"/>
           </a:solidFill>
@@ -2876,37 +2852,7 @@
       </a:lvl1pPr>
     </p:titleStyle>
     <p:bodyStyle>
-      <a:lvl1pPr algn="l" defTabSz="457200" eaLnBrk="1" hangingPunct="1" indent="-457200" latinLnBrk="0" marL="457200" rtl="0">
-        <a:spcBef>
-          <a:spcPct val="20000"/>
-        </a:spcBef>
-        <a:buFont typeface="Arial"/>
-        <a:buChar char="•"/>
-        <a:defRPr kern="1200" sz="3200">
-          <a:solidFill>
-            <a:schemeClr val="tx1"/>
-          </a:solidFill>
-          <a:latin typeface="+mn-lt"/>
-          <a:ea typeface="+mn-ea"/>
-          <a:cs typeface="+mn-cs"/>
-        </a:defRPr>
-      </a:lvl1pPr>
-      <a:lvl2pPr algn="l" defTabSz="457200" eaLnBrk="1" hangingPunct="1" indent="-457200" latinLnBrk="0" marL="914400" rtl="0">
-        <a:spcBef>
-          <a:spcPct val="20000"/>
-        </a:spcBef>
-        <a:buFont typeface="Arial"/>
-        <a:buChar char="–"/>
-        <a:defRPr kern="1200" sz="2800">
-          <a:solidFill>
-            <a:schemeClr val="tx1"/>
-          </a:solidFill>
-          <a:latin typeface="+mn-lt"/>
-          <a:ea typeface="+mn-ea"/>
-          <a:cs typeface="+mn-cs"/>
-        </a:defRPr>
-      </a:lvl2pPr>
-      <a:lvl3pPr algn="l" defTabSz="457200" eaLnBrk="1" hangingPunct="1" indent="-457200" latinLnBrk="0" marL="1371600" rtl="0">
+      <a:lvl1pPr algn="l" defTabSz="342900" eaLnBrk="1" hangingPunct="1" indent="-342900" latinLnBrk="0" marL="342900" rtl="0">
         <a:spcBef>
           <a:spcPct val="20000"/>
         </a:spcBef>
@@ -2920,14 +2866,44 @@
           <a:ea typeface="+mn-ea"/>
           <a:cs typeface="+mn-cs"/>
         </a:defRPr>
-      </a:lvl3pPr>
-      <a:lvl4pPr algn="l" defTabSz="457200" eaLnBrk="1" hangingPunct="1" indent="-457200" latinLnBrk="0" marL="1828800" rtl="0">
+      </a:lvl1pPr>
+      <a:lvl2pPr algn="l" defTabSz="342900" eaLnBrk="1" hangingPunct="1" indent="-342900" latinLnBrk="0" marL="685800" rtl="0">
         <a:spcBef>
           <a:spcPct val="20000"/>
         </a:spcBef>
         <a:buFont typeface="Arial"/>
         <a:buChar char="–"/>
-        <a:defRPr kern="1200" sz="2000">
+        <a:defRPr kern="1200" sz="2100">
+          <a:solidFill>
+            <a:schemeClr val="tx1"/>
+          </a:solidFill>
+          <a:latin typeface="+mn-lt"/>
+          <a:ea typeface="+mn-ea"/>
+          <a:cs typeface="+mn-cs"/>
+        </a:defRPr>
+      </a:lvl2pPr>
+      <a:lvl3pPr algn="l" defTabSz="342900" eaLnBrk="1" hangingPunct="1" indent="-342900" latinLnBrk="0" marL="1028700" rtl="0">
+        <a:spcBef>
+          <a:spcPct val="20000"/>
+        </a:spcBef>
+        <a:buFont typeface="Arial"/>
+        <a:buChar char="•"/>
+        <a:defRPr kern="1200" sz="1800">
+          <a:solidFill>
+            <a:schemeClr val="tx1"/>
+          </a:solidFill>
+          <a:latin typeface="+mn-lt"/>
+          <a:ea typeface="+mn-ea"/>
+          <a:cs typeface="+mn-cs"/>
+        </a:defRPr>
+      </a:lvl3pPr>
+      <a:lvl4pPr algn="l" defTabSz="342900" eaLnBrk="1" hangingPunct="1" indent="-342900" latinLnBrk="0" marL="1371600" rtl="0">
+        <a:spcBef>
+          <a:spcPct val="20000"/>
+        </a:spcBef>
+        <a:buFont typeface="Arial"/>
+        <a:buChar char="–"/>
+        <a:defRPr kern="1200" sz="1500">
           <a:solidFill>
             <a:schemeClr val="tx1"/>
           </a:solidFill>
@@ -2936,13 +2912,13 @@
           <a:cs typeface="+mn-cs"/>
         </a:defRPr>
       </a:lvl4pPr>
-      <a:lvl5pPr algn="l" defTabSz="457200" eaLnBrk="1" hangingPunct="1" indent="-457200" latinLnBrk="0" marL="2286000" rtl="0">
+      <a:lvl5pPr algn="l" defTabSz="342900" eaLnBrk="1" hangingPunct="1" indent="-342900" latinLnBrk="0" marL="1714500" rtl="0">
         <a:spcBef>
           <a:spcPct val="20000"/>
         </a:spcBef>
         <a:buFont typeface="Arial"/>
         <a:buChar char="»"/>
-        <a:defRPr kern="1200" sz="2000">
+        <a:defRPr kern="1200" sz="1500">
           <a:solidFill>
             <a:schemeClr val="tx1"/>
           </a:solidFill>
@@ -2951,13 +2927,13 @@
           <a:cs typeface="+mn-cs"/>
         </a:defRPr>
       </a:lvl5pPr>
-      <a:lvl6pPr algn="l" defTabSz="457200" eaLnBrk="1" hangingPunct="1" indent="-457200" latinLnBrk="0" marL="2743200" rtl="0">
+      <a:lvl6pPr algn="l" defTabSz="342900" eaLnBrk="1" hangingPunct="1" indent="-342900" latinLnBrk="0" marL="2057400" rtl="0">
         <a:spcBef>
           <a:spcPct val="20000"/>
         </a:spcBef>
         <a:buFont typeface="Arial"/>
         <a:buChar char="•"/>
-        <a:defRPr kern="1200" sz="2000">
+        <a:defRPr kern="1200" sz="1500">
           <a:solidFill>
             <a:schemeClr val="tx1"/>
           </a:solidFill>
@@ -2966,13 +2942,13 @@
           <a:cs typeface="+mn-cs"/>
         </a:defRPr>
       </a:lvl6pPr>
-      <a:lvl7pPr algn="l" defTabSz="457200" eaLnBrk="1" hangingPunct="1" indent="-457200" latinLnBrk="0" marL="3200400" rtl="0">
+      <a:lvl7pPr algn="l" defTabSz="342900" eaLnBrk="1" hangingPunct="1" indent="-342900" latinLnBrk="0" marL="2400300" rtl="0">
         <a:spcBef>
           <a:spcPct val="20000"/>
         </a:spcBef>
         <a:buFont typeface="Arial"/>
         <a:buChar char="•"/>
-        <a:defRPr kern="1200" sz="2000">
+        <a:defRPr kern="1200" sz="1500">
           <a:solidFill>
             <a:schemeClr val="tx1"/>
           </a:solidFill>
@@ -2981,13 +2957,13 @@
           <a:cs typeface="+mn-cs"/>
         </a:defRPr>
       </a:lvl7pPr>
-      <a:lvl8pPr algn="l" defTabSz="457200" eaLnBrk="1" hangingPunct="1" indent="-457200" latinLnBrk="0" marL="3657600" rtl="0">
+      <a:lvl8pPr algn="l" defTabSz="342900" eaLnBrk="1" hangingPunct="1" indent="-342900" latinLnBrk="0" marL="2743200" rtl="0">
         <a:spcBef>
           <a:spcPct val="20000"/>
         </a:spcBef>
         <a:buFont typeface="Arial"/>
         <a:buChar char="•"/>
-        <a:defRPr kern="1200" sz="2000">
+        <a:defRPr kern="1200" sz="1500">
           <a:solidFill>
             <a:schemeClr val="tx1"/>
           </a:solidFill>
@@ -2996,13 +2972,13 @@
           <a:cs typeface="+mn-cs"/>
         </a:defRPr>
       </a:lvl8pPr>
-      <a:lvl9pPr algn="l" defTabSz="457200" eaLnBrk="1" hangingPunct="1" indent="-457200" latinLnBrk="0" marL="4114800" rtl="0">
+      <a:lvl9pPr algn="l" defTabSz="342900" eaLnBrk="1" hangingPunct="1" indent="-342900" latinLnBrk="0" marL="3086100" rtl="0">
         <a:spcBef>
           <a:spcPct val="20000"/>
         </a:spcBef>
         <a:buFont typeface="Arial"/>
         <a:buChar char="•"/>
-        <a:defRPr kern="1200" sz="2000">
+        <a:defRPr kern="1200" sz="1500">
           <a:solidFill>
             <a:schemeClr val="tx1"/>
           </a:solidFill>
@@ -3016,8 +2992,8 @@
       <a:defPPr>
         <a:defRPr lang="en-US"/>
       </a:defPPr>
-      <a:lvl1pPr algn="l" defTabSz="457200" eaLnBrk="1" hangingPunct="1" latinLnBrk="0" marL="0" rtl="0">
-        <a:defRPr kern="1200" sz="1800">
+      <a:lvl1pPr algn="l" defTabSz="342900" eaLnBrk="1" hangingPunct="1" latinLnBrk="0" marL="0" rtl="0">
+        <a:defRPr kern="1200" sz="1350">
           <a:solidFill>
             <a:schemeClr val="tx1"/>
           </a:solidFill>
@@ -3026,8 +3002,8 @@
           <a:cs typeface="+mn-cs"/>
         </a:defRPr>
       </a:lvl1pPr>
-      <a:lvl2pPr algn="l" defTabSz="457200" eaLnBrk="1" hangingPunct="1" latinLnBrk="0" marL="457200" rtl="0">
-        <a:defRPr kern="1200" sz="1800">
+      <a:lvl2pPr algn="l" defTabSz="342900" eaLnBrk="1" hangingPunct="1" latinLnBrk="0" marL="342900" rtl="0">
+        <a:defRPr kern="1200" sz="1350">
           <a:solidFill>
             <a:schemeClr val="tx1"/>
           </a:solidFill>
@@ -3036,8 +3012,8 @@
           <a:cs typeface="+mn-cs"/>
         </a:defRPr>
       </a:lvl2pPr>
-      <a:lvl3pPr algn="l" defTabSz="457200" eaLnBrk="1" hangingPunct="1" latinLnBrk="0" marL="914400" rtl="0">
-        <a:defRPr kern="1200" sz="1800">
+      <a:lvl3pPr algn="l" defTabSz="342900" eaLnBrk="1" hangingPunct="1" latinLnBrk="0" marL="685800" rtl="0">
+        <a:defRPr kern="1200" sz="1350">
           <a:solidFill>
             <a:schemeClr val="tx1"/>
           </a:solidFill>
@@ -3046,8 +3022,8 @@
           <a:cs typeface="+mn-cs"/>
         </a:defRPr>
       </a:lvl3pPr>
-      <a:lvl4pPr algn="l" defTabSz="457200" eaLnBrk="1" hangingPunct="1" latinLnBrk="0" marL="1371600" rtl="0">
-        <a:defRPr kern="1200" sz="1800">
+      <a:lvl4pPr algn="l" defTabSz="342900" eaLnBrk="1" hangingPunct="1" latinLnBrk="0" marL="1028700" rtl="0">
+        <a:defRPr kern="1200" sz="1350">
           <a:solidFill>
             <a:schemeClr val="tx1"/>
           </a:solidFill>
@@ -3056,8 +3032,8 @@
           <a:cs typeface="+mn-cs"/>
         </a:defRPr>
       </a:lvl4pPr>
-      <a:lvl5pPr algn="l" defTabSz="457200" eaLnBrk="1" hangingPunct="1" latinLnBrk="0" marL="1828800" rtl="0">
-        <a:defRPr kern="1200" sz="1800">
+      <a:lvl5pPr algn="l" defTabSz="342900" eaLnBrk="1" hangingPunct="1" latinLnBrk="0" marL="1371600" rtl="0">
+        <a:defRPr kern="1200" sz="1350">
           <a:solidFill>
             <a:schemeClr val="tx1"/>
           </a:solidFill>
@@ -3066,8 +3042,8 @@
           <a:cs typeface="+mn-cs"/>
         </a:defRPr>
       </a:lvl5pPr>
-      <a:lvl6pPr algn="l" defTabSz="457200" eaLnBrk="1" hangingPunct="1" latinLnBrk="0" marL="2286000" rtl="0">
-        <a:defRPr kern="1200" sz="1800">
+      <a:lvl6pPr algn="l" defTabSz="342900" eaLnBrk="1" hangingPunct="1" latinLnBrk="0" marL="1714500" rtl="0">
+        <a:defRPr kern="1200" sz="1350">
           <a:solidFill>
             <a:schemeClr val="tx1"/>
           </a:solidFill>
@@ -3076,8 +3052,8 @@
           <a:cs typeface="+mn-cs"/>
         </a:defRPr>
       </a:lvl6pPr>
-      <a:lvl7pPr algn="l" defTabSz="457200" eaLnBrk="1" hangingPunct="1" latinLnBrk="0" marL="2743200" rtl="0">
-        <a:defRPr kern="1200" sz="1800">
+      <a:lvl7pPr algn="l" defTabSz="342900" eaLnBrk="1" hangingPunct="1" latinLnBrk="0" marL="2057400" rtl="0">
+        <a:defRPr kern="1200" sz="1350">
           <a:solidFill>
             <a:schemeClr val="tx1"/>
           </a:solidFill>
@@ -3086,8 +3062,8 @@
           <a:cs typeface="+mn-cs"/>
         </a:defRPr>
       </a:lvl7pPr>
-      <a:lvl8pPr algn="l" defTabSz="457200" eaLnBrk="1" hangingPunct="1" latinLnBrk="0" marL="3200400" rtl="0">
-        <a:defRPr kern="1200" sz="1800">
+      <a:lvl8pPr algn="l" defTabSz="342900" eaLnBrk="1" hangingPunct="1" latinLnBrk="0" marL="2400300" rtl="0">
+        <a:defRPr kern="1200" sz="1350">
           <a:solidFill>
             <a:schemeClr val="tx1"/>
           </a:solidFill>
@@ -3096,8 +3072,8 @@
           <a:cs typeface="+mn-cs"/>
         </a:defRPr>
       </a:lvl8pPr>
-      <a:lvl9pPr algn="l" defTabSz="457200" eaLnBrk="1" hangingPunct="1" latinLnBrk="0" marL="3657600" rtl="0">
-        <a:defRPr kern="1200" sz="1800">
+      <a:lvl9pPr algn="l" defTabSz="342900" eaLnBrk="1" hangingPunct="1" latinLnBrk="0" marL="2743200" rtl="0">
+        <a:defRPr kern="1200" sz="1350">
           <a:solidFill>
             <a:schemeClr val="tx1"/>
           </a:solidFill>
@@ -3140,8 +3116,8 @@
         </p:nvSpPr>
         <p:spPr>
           <a:xfrm>
-            <a:off x="685800" y="2130425"/>
-            <a:ext cx="7772400" cy="1470025"/>
+            <a:off x="685800" y="1597819"/>
+            <a:ext cx="7772400" cy="1102519"/>
           </a:xfrm>
         </p:spPr>
         <p:txBody>
@@ -3170,8 +3146,8 @@
         </p:nvSpPr>
         <p:spPr>
           <a:xfrm>
-            <a:off x="1371600" y="3886200"/>
-            <a:ext cx="6400800" cy="1752600"/>
+            <a:off x="1371600" y="2914650"/>
+            <a:ext cx="6400800" cy="1314450"/>
           </a:xfrm>
         </p:spPr>
         <p:txBody>
@@ -3243,12 +3219,12 @@
       </p:grpSpPr>
       <p:sp>
         <p:nvSpPr>
-          <p:cNvPr id="4" name="Text Placeholder 3"/>
-          <p:cNvSpPr>
-            <a:spLocks noGrp="1"/>
-          </p:cNvSpPr>
-          <p:nvPr>
-            <p:ph idx="2" sz="half" type="body"/>
+          <p:cNvPr id="3" name="Content Placeholder 2"/>
+          <p:cNvSpPr>
+            <a:spLocks noGrp="1"/>
+          </p:cNvSpPr>
+          <p:nvPr>
+            <p:ph idx="1"/>
           </p:nvPr>
         </p:nvSpPr>
         <p:spPr/>
@@ -3271,71 +3247,28 @@
             <a:pPr lvl="0"/>
             <a:r>
               <a:rPr b="1"/>
-              <a:t>What is Lorem Ipsum?</a:t>
+              <a:t>What does Flowgorithm do?</a:t>
             </a:r>
             <a:r>
               <a:rPr/>
-              <a:t> Lorem Ipsum is simply dummy text of the printing and typesetting industry. Lorem Ipsum has been the industry’s standard dummy text ever since the 1500s,</a:t>
-            </a:r>
-          </a:p>
-        </p:txBody>
-      </p:sp>
-      <p:pic>
-        <p:nvPicPr>
-          <p:cNvPr descr="assets/sample-1.png" id="0" name="Picture 1"/>
-          <p:cNvPicPr>
-            <a:picLocks noGrp="1" noChangeAspect="1"/>
-          </p:cNvPicPr>
-          <p:nvPr/>
-        </p:nvPicPr>
-        <p:blipFill>
-          <a:blip r:embed="rId2"/>
-          <a:stretch>
-            <a:fillRect/>
-          </a:stretch>
-        </p:blipFill>
-        <p:spPr bwMode="auto">
-          <a:xfrm>
-            <a:off x="4749800" y="266700"/>
-            <a:ext cx="2743200" cy="5334000"/>
-          </a:xfrm>
-          <a:prstGeom prst="rect">
-            <a:avLst/>
-          </a:prstGeom>
-          <a:noFill/>
-          <a:ln w="9525">
-            <a:noFill/>
-            <a:headEnd/>
-            <a:tailEnd/>
-          </a:ln>
-        </p:spPr>
-      </p:pic>
-      <p:sp>
-        <p:nvSpPr>
-          <p:cNvPr id="1" name="TextBox 3"/>
-          <p:cNvSpPr txBox="1"/>
-          <p:nvPr/>
-        </p:nvSpPr>
-        <p:spPr>
-          <a:xfrm>
-            <a:off x="3568700" y="5600700"/>
-            <a:ext cx="5105400" cy="508000"/>
-          </a:xfrm>
-          <a:prstGeom prst="rect">
-            <a:avLst/>
-          </a:prstGeom>
-          <a:noFill/>
-        </p:spPr>
-        <p:txBody>
-          <a:bodyPr/>
-          <a:lstStyle/>
-          <a:p>
-            <a:pPr lvl="0" indent="0" marL="0" algn="ctr">
+              <a:t> Flowgorithm is a graphical authoring tool which </a:t>
+            </a:r>
+            <a:r>
+              <a:rPr b="1"/>
+              <a:t>allows users to write and execute programs using flowcharts</a:t>
+            </a:r>
+            <a:r>
+              <a:rPr/>
+              <a:t>. The approach is designed to emphasize the algorithm rather than the syntax of a specific programming language. The flowchart can be converted to several major programming languages.</a:t>
+            </a:r>
+          </a:p>
+          <a:p>
+            <a:pPr lvl="0" indent="0" marL="0">
               <a:buNone/>
             </a:pPr>
             <a:r>
               <a:rPr/>
-              <a:t>bg left:50% h:800px</a:t>
+              <a:t>)Flowgorithm - Wikipedia</a:t>
             </a:r>
           </a:p>
         </p:txBody>
@@ -3346,221 +3279,6 @@
 </file>
 
 <file path=ppt/slides/slide11.xml><?xml version="1.0" encoding="utf-8"?>
-<p:sld xmlns:a="http://schemas.openxmlformats.org/drawingml/2006/main" xmlns:r="http://schemas.openxmlformats.org/officeDocument/2006/relationships" xmlns:p="http://schemas.openxmlformats.org/presentationml/2006/main">
-  <p:cSld>
-    <p:spTree>
-      <p:nvGrpSpPr>
-        <p:cNvPr id="1" name=""/>
-        <p:cNvGrpSpPr/>
-        <p:nvPr/>
-      </p:nvGrpSpPr>
-      <p:grpSpPr>
-        <a:xfrm>
-          <a:off x="0" y="0"/>
-          <a:ext cx="0" cy="0"/>
-          <a:chOff x="0" y="0"/>
-          <a:chExt cx="0" cy="0"/>
-        </a:xfrm>
-      </p:grpSpPr>
-      <p:sp>
-        <p:nvSpPr>
-          <p:cNvPr id="3" name="Content Placeholder 2"/>
-          <p:cNvSpPr>
-            <a:spLocks noGrp="1"/>
-          </p:cNvSpPr>
-          <p:nvPr>
-            <p:ph idx="1"/>
-          </p:nvPr>
-        </p:nvSpPr>
-        <p:spPr/>
-        <p:txBody>
-          <a:bodyPr/>
-          <a:lstStyle/>
-          <a:p>
-            <a:pPr lvl="0" indent="0" marL="0">
-              <a:buNone/>
-            </a:pPr>
-            <a:r>
-              <a:rPr/>
-              <a:t> bg left:50% h:800px</a:t>
-            </a:r>
-          </a:p>
-        </p:txBody>
-      </p:sp>
-    </p:spTree>
-  </p:cSld>
-</p:sld>
-</file>
-
-<file path=ppt/slides/slide12.xml><?xml version="1.0" encoding="utf-8"?>
-<p:sld xmlns:a="http://schemas.openxmlformats.org/drawingml/2006/main" xmlns:r="http://schemas.openxmlformats.org/officeDocument/2006/relationships" xmlns:p="http://schemas.openxmlformats.org/presentationml/2006/main">
-  <p:cSld>
-    <p:spTree>
-      <p:nvGrpSpPr>
-        <p:cNvPr id="1" name=""/>
-        <p:cNvGrpSpPr/>
-        <p:nvPr/>
-      </p:nvGrpSpPr>
-      <p:grpSpPr>
-        <a:xfrm>
-          <a:off x="0" y="0"/>
-          <a:ext cx="0" cy="0"/>
-          <a:chOff x="0" y="0"/>
-          <a:chExt cx="0" cy="0"/>
-        </a:xfrm>
-      </p:grpSpPr>
-      <p:sp>
-        <p:nvSpPr>
-          <p:cNvPr id="4" name="Text Placeholder 3"/>
-          <p:cNvSpPr>
-            <a:spLocks noGrp="1"/>
-          </p:cNvSpPr>
-          <p:nvPr>
-            <p:ph idx="2" sz="half" type="body"/>
-          </p:nvPr>
-        </p:nvSpPr>
-        <p:spPr/>
-        <p:txBody>
-          <a:bodyPr/>
-          <a:lstStyle/>
-          <a:p>
-            <a:pPr lvl="0" indent="0" marL="0">
-              <a:spcBef>
-                <a:spcPts val="3000"/>
-              </a:spcBef>
-              <a:buNone/>
-            </a:pPr>
-            <a:r>
-              <a:rPr b="1"/>
-              <a:t>Sample Images-6</a:t>
-            </a:r>
-          </a:p>
-          <a:p>
-            <a:pPr lvl="0"/>
-            <a:r>
-              <a:rPr b="1"/>
-              <a:t>What is Lorem Ipsum?</a:t>
-            </a:r>
-            <a:r>
-              <a:rPr/>
-              <a:t> Lorem Ipsum is simply dummy text of the printing and typesetting industry. Lorem Ipsum has been the industry’s standard dummy text ever since the 1500s,</a:t>
-            </a:r>
-          </a:p>
-        </p:txBody>
-      </p:sp>
-      <p:pic>
-        <p:nvPicPr>
-          <p:cNvPr descr="assets/sample-1.png" id="0" name="Picture 1"/>
-          <p:cNvPicPr>
-            <a:picLocks noGrp="1" noChangeAspect="1"/>
-          </p:cNvPicPr>
-          <p:nvPr/>
-        </p:nvPicPr>
-        <p:blipFill>
-          <a:blip r:embed="rId2"/>
-          <a:stretch>
-            <a:fillRect/>
-          </a:stretch>
-        </p:blipFill>
-        <p:spPr bwMode="auto">
-          <a:xfrm>
-            <a:off x="4749800" y="266700"/>
-            <a:ext cx="2743200" cy="5334000"/>
-          </a:xfrm>
-          <a:prstGeom prst="rect">
-            <a:avLst/>
-          </a:prstGeom>
-          <a:noFill/>
-          <a:ln w="9525">
-            <a:noFill/>
-            <a:headEnd/>
-            <a:tailEnd/>
-          </a:ln>
-        </p:spPr>
-      </p:pic>
-      <p:sp>
-        <p:nvSpPr>
-          <p:cNvPr id="1" name="TextBox 3"/>
-          <p:cNvSpPr txBox="1"/>
-          <p:nvPr/>
-        </p:nvSpPr>
-        <p:spPr>
-          <a:xfrm>
-            <a:off x="3568700" y="5600700"/>
-            <a:ext cx="5105400" cy="508000"/>
-          </a:xfrm>
-          <a:prstGeom prst="rect">
-            <a:avLst/>
-          </a:prstGeom>
-          <a:noFill/>
-        </p:spPr>
-        <p:txBody>
-          <a:bodyPr/>
-          <a:lstStyle/>
-          <a:p>
-            <a:pPr lvl="0" indent="0" marL="0" algn="ctr">
-              <a:buNone/>
-            </a:pPr>
-            <a:r>
-              <a:rPr/>
-              <a:t>bg left:50% h:300px</a:t>
-            </a:r>
-          </a:p>
-        </p:txBody>
-      </p:sp>
-    </p:spTree>
-  </p:cSld>
-</p:sld>
-</file>
-
-<file path=ppt/slides/slide13.xml><?xml version="1.0" encoding="utf-8"?>
-<p:sld xmlns:a="http://schemas.openxmlformats.org/drawingml/2006/main" xmlns:r="http://schemas.openxmlformats.org/officeDocument/2006/relationships" xmlns:p="http://schemas.openxmlformats.org/presentationml/2006/main">
-  <p:cSld>
-    <p:spTree>
-      <p:nvGrpSpPr>
-        <p:cNvPr id="1" name=""/>
-        <p:cNvGrpSpPr/>
-        <p:nvPr/>
-      </p:nvGrpSpPr>
-      <p:grpSpPr>
-        <a:xfrm>
-          <a:off x="0" y="0"/>
-          <a:ext cx="0" cy="0"/>
-          <a:chOff x="0" y="0"/>
-          <a:chExt cx="0" cy="0"/>
-        </a:xfrm>
-      </p:grpSpPr>
-      <p:sp>
-        <p:nvSpPr>
-          <p:cNvPr id="3" name="Content Placeholder 2"/>
-          <p:cNvSpPr>
-            <a:spLocks noGrp="1"/>
-          </p:cNvSpPr>
-          <p:nvPr>
-            <p:ph idx="1"/>
-          </p:nvPr>
-        </p:nvSpPr>
-        <p:spPr/>
-        <p:txBody>
-          <a:bodyPr/>
-          <a:lstStyle/>
-          <a:p>
-            <a:pPr lvl="0" indent="0" marL="0">
-              <a:buNone/>
-            </a:pPr>
-            <a:r>
-              <a:rPr/>
-              <a:t> bg left:50% h:500px</a:t>
-            </a:r>
-          </a:p>
-        </p:txBody>
-      </p:sp>
-    </p:spTree>
-  </p:cSld>
-</p:sld>
-</file>
-
-<file path=ppt/slides/slide14.xml><?xml version="1.0" encoding="utf-8"?>
 <p:sld xmlns:a="http://schemas.openxmlformats.org/drawingml/2006/main" xmlns:r="http://schemas.openxmlformats.org/officeDocument/2006/relationships" xmlns:p="http://schemas.openxmlformats.org/presentationml/2006/main">
   <p:cSld>
     <p:spTree>
@@ -5037,7 +4755,7 @@
 </p:sld>
 </file>
 
-<file path=ppt/slides/slide15.xml><?xml version="1.0" encoding="utf-8"?>
+<file path=ppt/slides/slide12.xml><?xml version="1.0" encoding="utf-8"?>
 <p:sld xmlns:a="http://schemas.openxmlformats.org/drawingml/2006/main" xmlns:r="http://schemas.openxmlformats.org/officeDocument/2006/relationships" xmlns:p="http://schemas.openxmlformats.org/presentationml/2006/main">
   <p:cSld>
     <p:spTree>
@@ -6372,7 +6090,7 @@
 </p:sld>
 </file>
 
-<file path=ppt/slides/slide16.xml><?xml version="1.0" encoding="utf-8"?>
+<file path=ppt/slides/slide13.xml><?xml version="1.0" encoding="utf-8"?>
 <p:sld xmlns:a="http://schemas.openxmlformats.org/drawingml/2006/main" xmlns:r="http://schemas.openxmlformats.org/officeDocument/2006/relationships" xmlns:p="http://schemas.openxmlformats.org/presentationml/2006/main">
   <p:cSld>
     <p:spTree>
@@ -6423,7 +6141,7 @@
 </p:sld>
 </file>
 
-<file path=ppt/slides/slide17.xml><?xml version="1.0" encoding="utf-8"?>
+<file path=ppt/slides/slide14.xml><?xml version="1.0" encoding="utf-8"?>
 <p:sld xmlns:a="http://schemas.openxmlformats.org/drawingml/2006/main" xmlns:r="http://schemas.openxmlformats.org/officeDocument/2006/relationships" xmlns:p="http://schemas.openxmlformats.org/presentationml/2006/main">
   <p:cSld>
     <p:spTree>
@@ -6483,35 +6201,39 @@
             <a:pPr lvl="0"/>
             <a:r>
               <a:rPr/>
-              <a:t>https://avesis.erdogan.edu.tr/ugur.coruh</a:t>
+              <a:t>http://www.flowgorithm.org/</a:t>
             </a:r>
           </a:p>
           <a:p>
             <a:pPr lvl="0"/>
             <a:r>
+              <a:rPr>
+                <a:hlinkClick r:id="rId2"/>
+              </a:rPr>
+              <a:t>Flowgorithm - Wikipedia</a:t>
+            </a:r>
+          </a:p>
+          <a:p>
+            <a:pPr lvl="0"/>
+            <a:r>
+              <a:rPr>
+                <a:hlinkClick r:id="rId3"/>
+              </a:rPr>
+              <a:t>Flowgorithm - Wikiwand</a:t>
+            </a:r>
+          </a:p>
+          <a:p>
+            <a:pPr lvl="0"/>
+            <a:r>
               <a:rPr/>
-              <a:t>https://www.linkedin.com/in/ugurcoruh/</a:t>
+              <a:t>https://upload.wikimedia.org/wikipedia/commons/4/42/Flowgorithm_99_Bottles_of_Beer.png</a:t>
             </a:r>
           </a:p>
           <a:p>
             <a:pPr lvl="0"/>
             <a:r>
               <a:rPr/>
-              <a:t>https://www.hindawi.com/journals/scn/2018/6563089/</a:t>
-            </a:r>
-          </a:p>
-          <a:p>
-            <a:pPr lvl="0"/>
-            <a:r>
-              <a:rPr/>
-              <a:t>https://dl.acm.org/doi/abs/10.1145/3410352.3410836</a:t>
-            </a:r>
-          </a:p>
-          <a:p>
-            <a:pPr lvl="0"/>
-            <a:r>
-              <a:rPr/>
-              <a:t>https://www.sciencedirect.com/science/article/abs/pii/S2214212621002623</a:t>
+              <a:t>https://www.testingdocs.com/wp-content/uploads/flowgorithm-logo.png</a:t>
             </a:r>
           </a:p>
         </p:txBody>
@@ -6521,7 +6243,7 @@
 </p:sld>
 </file>
 
-<file path=ppt/slides/slide18.xml><?xml version="1.0" encoding="utf-8"?>
+<file path=ppt/slides/slide15.xml><?xml version="1.0" encoding="utf-8"?>
 <p:sld xmlns:a="http://schemas.openxmlformats.org/drawingml/2006/main" xmlns:r="http://schemas.openxmlformats.org/officeDocument/2006/relationships" xmlns:p="http://schemas.openxmlformats.org/presentationml/2006/main">
   <p:cSld>
     <p:spTree>
@@ -6813,28 +6535,7 @@
             <a:pPr lvl="0"/>
             <a:r>
               <a:rPr/>
-              <a:t>Sample Outline</a:t>
-            </a:r>
-          </a:p>
-          <a:p>
-            <a:pPr lvl="0"/>
-            <a:r>
-              <a:rPr/>
-              <a:t>Sample Outline</a:t>
-            </a:r>
-          </a:p>
-          <a:p>
-            <a:pPr lvl="0"/>
-            <a:r>
-              <a:rPr/>
-              <a:t>Sample Outline</a:t>
-            </a:r>
-          </a:p>
-          <a:p>
-            <a:pPr lvl="0"/>
-            <a:r>
-              <a:rPr/>
-              <a:t>Sample Outline</a:t>
+              <a:t>Flowgorithm</a:t>
             </a:r>
           </a:p>
         </p:txBody>
@@ -6881,7 +6582,7 @@
             </a:pPr>
             <a:r>
               <a:rPr b="1"/>
-              <a:t>Sample Topic</a:t>
+              <a:t>What is Flowgorithm ?</a:t>
             </a:r>
           </a:p>
         </p:txBody>
@@ -6937,33 +6638,46 @@
           <a:p>
             <a:pPr lvl="0"/>
             <a:r>
+              <a:rPr/>
+              <a:t>****What is Flowgorithm ?**** </a:t>
+            </a:r>
+            <a:r>
               <a:rPr b="1"/>
-              <a:t>What is Lorem Ipsum?</a:t>
+              <a:t>Flowgorithm</a:t>
             </a:r>
             <a:r>
               <a:rPr/>
-              <a:t> Lorem Ipsum is simply dummy text of the printing and typesetting industry. Lorem Ipsum has been the industry’s standard dummy text ever since the 1500s,</a:t>
-            </a:r>
-          </a:p>
-          <a:p>
-            <a:pPr lvl="1"/>
+              <a:t> is a graphical </a:t>
+            </a:r>
+            <a:r>
+              <a:rPr>
+                <a:hlinkClick r:id="rId2"/>
+              </a:rPr>
+              <a:t>authoring tool</a:t>
+            </a:r>
             <a:r>
               <a:rPr/>
-              <a:t>when an unknown printer took a galley of type and scrambled it to make a type specimen book. It has survived not only five centuries,</a:t>
-            </a:r>
-          </a:p>
-          <a:p>
-            <a:pPr lvl="2"/>
+              <a:t> which allows users to write and execute programs using </a:t>
+            </a:r>
+            <a:r>
+              <a:rPr>
+                <a:hlinkClick r:id="rId3"/>
+              </a:rPr>
+              <a:t>flowcharts</a:t>
+            </a:r>
             <a:r>
               <a:rPr/>
-              <a:t>but also the leap into electronic typesetting, remaining essentially unchanged.</a:t>
-            </a:r>
-          </a:p>
-          <a:p>
-            <a:pPr lvl="3"/>
+              <a:t>. The approach is designed to emphasize the algorithm rather than the syntax of a specific programming language.The flowchart can be converted to several major programming languages. Flowgorithm was created at </a:t>
+            </a:r>
+            <a:r>
+              <a:rPr>
+                <a:hlinkClick r:id="rId4"/>
+              </a:rPr>
+              <a:t>Sacramento State University</a:t>
+            </a:r>
             <a:r>
               <a:rPr/>
-              <a:t>It was popularised in the 1960s with the release of Letraset sheets containing Lorem Ipsum passages, and more recently with desktop publishing software like Aldus PageMaker including versions of Lorem Ipsum.</a:t>
+              <a:t>.</a:t>
             </a:r>
           </a:p>
         </p:txBody>
@@ -6992,12 +6706,12 @@
       </p:grpSpPr>
       <p:sp>
         <p:nvSpPr>
-          <p:cNvPr id="4" name="Text Placeholder 3"/>
-          <p:cNvSpPr>
-            <a:spLocks noGrp="1"/>
-          </p:cNvSpPr>
-          <p:nvPr>
-            <p:ph idx="2" sz="half" type="body"/>
+          <p:cNvPr id="3" name="Content Placeholder 2"/>
+          <p:cNvSpPr>
+            <a:spLocks noGrp="1"/>
+          </p:cNvSpPr>
+          <p:nvPr>
+            <p:ph idx="1"/>
           </p:nvPr>
         </p:nvSpPr>
         <p:spPr/>
@@ -7019,72 +6733,43 @@
           <a:p>
             <a:pPr lvl="0"/>
             <a:r>
+              <a:rPr/>
+              <a:t>****What is Flowgorithm?**** Flowgorithm is a </a:t>
+            </a:r>
+            <a:r>
               <a:rPr b="1"/>
-              <a:t>What is Lorem Ipsum?</a:t>
+              <a:t>free</a:t>
             </a:r>
             <a:r>
               <a:rPr/>
-              <a:t> Lorem Ipsum is simply dummy text of the printing and typesetting industry. Lorem Ipsum has been the industry’s standard dummy text ever since the 1500s,</a:t>
-            </a:r>
-          </a:p>
-        </p:txBody>
-      </p:sp>
-      <p:pic>
-        <p:nvPicPr>
-          <p:cNvPr descr="fig:  assets/sample-1.png" id="0" name="Picture 1"/>
-          <p:cNvPicPr>
-            <a:picLocks noGrp="1" noChangeAspect="1"/>
-          </p:cNvPicPr>
-          <p:nvPr/>
-        </p:nvPicPr>
-        <p:blipFill>
-          <a:blip r:embed="rId2"/>
-          <a:stretch>
-            <a:fillRect/>
-          </a:stretch>
-        </p:blipFill>
-        <p:spPr bwMode="auto">
-          <a:xfrm>
-            <a:off x="4749800" y="266700"/>
-            <a:ext cx="2743200" cy="5334000"/>
-          </a:xfrm>
-          <a:prstGeom prst="rect">
-            <a:avLst/>
-          </a:prstGeom>
-          <a:noFill/>
-          <a:ln w="9525">
-            <a:noFill/>
-            <a:headEnd/>
-            <a:tailEnd/>
-          </a:ln>
-        </p:spPr>
-      </p:pic>
-      <p:sp>
-        <p:nvSpPr>
-          <p:cNvPr id="1" name="TextBox 3"/>
-          <p:cNvSpPr txBox="1"/>
-          <p:nvPr/>
-        </p:nvSpPr>
-        <p:spPr>
-          <a:xfrm>
-            <a:off x="3568700" y="5600700"/>
-            <a:ext cx="5105400" cy="508000"/>
-          </a:xfrm>
-          <a:prstGeom prst="rect">
-            <a:avLst/>
-          </a:prstGeom>
-          <a:noFill/>
-        </p:spPr>
-        <p:txBody>
-          <a:bodyPr/>
-          <a:lstStyle/>
-          <a:p>
-            <a:pPr lvl="0" indent="0" marL="0" algn="ctr">
+              <a:t> beginner’s programming language that is based on simple graphical flowcharts.</a:t>
+            </a:r>
+          </a:p>
+          <a:p>
+            <a:pPr lvl="1" indent="0" marL="342900">
               <a:buNone/>
             </a:pPr>
             <a:r>
               <a:rPr/>
-              <a:t>center h:400px</a:t>
+              <a:t>Typically, when a student first learns to program, they often use one of the text-based programming languages. Depending on the language, this can either be easy or frustratingly difficult. Many languages require you to write lines of confusing code just to display the text “Hello, world!”.</a:t>
+            </a:r>
+          </a:p>
+          <a:p>
+            <a:pPr lvl="1" indent="0" marL="342900">
+              <a:buNone/>
+            </a:pPr>
+            <a:r>
+              <a:rPr/>
+              <a:t>By using flowcharts, you can concentrate on programming concepts rather than all the nuances of a typical programming language. You can also run your programs directly in Flowgorithm.</a:t>
+            </a:r>
+          </a:p>
+          <a:p>
+            <a:pPr lvl="1" indent="0" marL="342900">
+              <a:buNone/>
+            </a:pPr>
+            <a:r>
+              <a:rPr/>
+              <a:t>Once you understand programming logic, it is easy for you to learn one of the major languages. Flowgorithm can interactively convert your flowchart to over 18 languages. These include: C#, C++, Java, JavaScript, Lua, Perl, Python, Ruby, Swift, Visual Basic .NET, and VBA (used in Office).</a:t>
             </a:r>
           </a:p>
         </p:txBody>
@@ -7113,12 +6798,12 @@
       </p:grpSpPr>
       <p:sp>
         <p:nvSpPr>
-          <p:cNvPr id="4" name="Text Placeholder 3"/>
-          <p:cNvSpPr>
-            <a:spLocks noGrp="1"/>
-          </p:cNvSpPr>
-          <p:nvPr>
-            <p:ph idx="2" sz="half" type="body"/>
+          <p:cNvPr id="3" name="Content Placeholder 2"/>
+          <p:cNvSpPr>
+            <a:spLocks noGrp="1"/>
+          </p:cNvSpPr>
+          <p:nvPr>
+            <p:ph idx="1"/>
           </p:nvPr>
         </p:nvSpPr>
         <p:spPr/>
@@ -7140,72 +6825,8 @@
           <a:p>
             <a:pPr lvl="0"/>
             <a:r>
-              <a:rPr b="1"/>
-              <a:t>What is Lorem Ipsum?</a:t>
-            </a:r>
-            <a:r>
               <a:rPr/>
-              <a:t> Lorem Ipsum is simply dummy text of the printing and typesetting industry. Lorem Ipsum has been the industry’s standard dummy text ever since the 1500s,</a:t>
-            </a:r>
-          </a:p>
-        </p:txBody>
-      </p:sp>
-      <p:pic>
-        <p:nvPicPr>
-          <p:cNvPr descr="fig:  assets/sample-1.png" id="0" name="Picture 1"/>
-          <p:cNvPicPr>
-            <a:picLocks noGrp="1" noChangeAspect="1"/>
-          </p:cNvPicPr>
-          <p:nvPr/>
-        </p:nvPicPr>
-        <p:blipFill>
-          <a:blip r:embed="rId2"/>
-          <a:stretch>
-            <a:fillRect/>
-          </a:stretch>
-        </p:blipFill>
-        <p:spPr bwMode="auto">
-          <a:xfrm>
-            <a:off x="4749800" y="266700"/>
-            <a:ext cx="2743200" cy="5334000"/>
-          </a:xfrm>
-          <a:prstGeom prst="rect">
-            <a:avLst/>
-          </a:prstGeom>
-          <a:noFill/>
-          <a:ln w="9525">
-            <a:noFill/>
-            <a:headEnd/>
-            <a:tailEnd/>
-          </a:ln>
-        </p:spPr>
-      </p:pic>
-      <p:sp>
-        <p:nvSpPr>
-          <p:cNvPr id="1" name="TextBox 3"/>
-          <p:cNvSpPr txBox="1"/>
-          <p:nvPr/>
-        </p:nvSpPr>
-        <p:spPr>
-          <a:xfrm>
-            <a:off x="3568700" y="5600700"/>
-            <a:ext cx="5105400" cy="508000"/>
-          </a:xfrm>
-          <a:prstGeom prst="rect">
-            <a:avLst/>
-          </a:prstGeom>
-          <a:noFill/>
-        </p:spPr>
-        <p:txBody>
-          <a:bodyPr/>
-          <a:lstStyle/>
-          <a:p>
-            <a:pPr lvl="0" indent="0" marL="0" algn="ctr">
-              <a:buNone/>
-            </a:pPr>
-            <a:r>
-              <a:rPr/>
-              <a:t>bg right:50% h:400px</a:t>
+              <a:t>****What is Flowgorithm?**** Flowgorithm is a graphical authoring tool which allows users to write and execute programs using flowcharts. The approach is designed to emphasize the algorithm rather than the syntax of a specific programming language.The flowchart can be converted to several major programming languages. Flowgorithm was created at Sacramento State University.</a:t>
             </a:r>
           </a:p>
         </p:txBody>
@@ -7234,12 +6855,12 @@
       </p:grpSpPr>
       <p:sp>
         <p:nvSpPr>
-          <p:cNvPr id="4" name="Text Placeholder 3"/>
-          <p:cNvSpPr>
-            <a:spLocks noGrp="1"/>
-          </p:cNvSpPr>
-          <p:nvPr>
-            <p:ph idx="2" sz="half" type="body"/>
+          <p:cNvPr id="3" name="Content Placeholder 2"/>
+          <p:cNvSpPr>
+            <a:spLocks noGrp="1"/>
+          </p:cNvSpPr>
+          <p:nvPr>
+            <p:ph idx="1"/>
           </p:nvPr>
         </p:nvSpPr>
         <p:spPr/>
@@ -7261,72 +6882,8 @@
           <a:p>
             <a:pPr lvl="0"/>
             <a:r>
-              <a:rPr b="1"/>
-              <a:t>What is Lorem Ipsum?</a:t>
-            </a:r>
-            <a:r>
               <a:rPr/>
-              <a:t> Lorem Ipsum is simply dummy text of the printing and typesetting industry. Lorem Ipsum has been the industry’s standard dummy text ever since the 1500s,</a:t>
-            </a:r>
-          </a:p>
-        </p:txBody>
-      </p:sp>
-      <p:pic>
-        <p:nvPicPr>
-          <p:cNvPr descr="fig:  assets/sample-1.png" id="0" name="Picture 1"/>
-          <p:cNvPicPr>
-            <a:picLocks noGrp="1" noChangeAspect="1"/>
-          </p:cNvPicPr>
-          <p:nvPr/>
-        </p:nvPicPr>
-        <p:blipFill>
-          <a:blip r:embed="rId2"/>
-          <a:stretch>
-            <a:fillRect/>
-          </a:stretch>
-        </p:blipFill>
-        <p:spPr bwMode="auto">
-          <a:xfrm>
-            <a:off x="4749800" y="266700"/>
-            <a:ext cx="2743200" cy="5334000"/>
-          </a:xfrm>
-          <a:prstGeom prst="rect">
-            <a:avLst/>
-          </a:prstGeom>
-          <a:noFill/>
-          <a:ln w="9525">
-            <a:noFill/>
-            <a:headEnd/>
-            <a:tailEnd/>
-          </a:ln>
-        </p:spPr>
-      </p:pic>
-      <p:sp>
-        <p:nvSpPr>
-          <p:cNvPr id="1" name="TextBox 3"/>
-          <p:cNvSpPr txBox="1"/>
-          <p:nvPr/>
-        </p:nvSpPr>
-        <p:spPr>
-          <a:xfrm>
-            <a:off x="3568700" y="5600700"/>
-            <a:ext cx="5105400" cy="508000"/>
-          </a:xfrm>
-          <a:prstGeom prst="rect">
-            <a:avLst/>
-          </a:prstGeom>
-          <a:noFill/>
-        </p:spPr>
-        <p:txBody>
-          <a:bodyPr/>
-          <a:lstStyle/>
-          <a:p>
-            <a:pPr lvl="0" indent="0" marL="0" algn="ctr">
-              <a:buNone/>
-            </a:pPr>
-            <a:r>
-              <a:rPr/>
-              <a:t>bg left:50% h:400px</a:t>
+              <a:t>Flowgorithm Tutorial - TestingDocs.com</a:t>
             </a:r>
           </a:p>
         </p:txBody>
@@ -7355,12 +6912,12 @@
       </p:grpSpPr>
       <p:sp>
         <p:nvSpPr>
-          <p:cNvPr id="4" name="Text Placeholder 3"/>
-          <p:cNvSpPr>
-            <a:spLocks noGrp="1"/>
-          </p:cNvSpPr>
-          <p:nvPr>
-            <p:ph idx="2" sz="half" type="body"/>
+          <p:cNvPr id="3" name="Content Placeholder 2"/>
+          <p:cNvSpPr>
+            <a:spLocks noGrp="1"/>
+          </p:cNvSpPr>
+          <p:nvPr>
+            <p:ph idx="1"/>
           </p:nvPr>
         </p:nvSpPr>
         <p:spPr/>
@@ -7383,71 +6940,17 @@
             <a:pPr lvl="0"/>
             <a:r>
               <a:rPr b="1"/>
-              <a:t>What is Lorem Ipsum?</a:t>
+              <a:t>How is download Flowgorithm ?</a:t>
             </a:r>
             <a:r>
               <a:rPr/>
-              <a:t> Lorem Ipsum is simply dummy text of the printing and typesetting industry. Lorem Ipsum has been the industry’s standard dummy text ever since the 1500s,</a:t>
-            </a:r>
-          </a:p>
-        </p:txBody>
-      </p:sp>
-      <p:pic>
-        <p:nvPicPr>
-          <p:cNvPr descr="fig:  assets/sample-1.png" id="0" name="Picture 1"/>
-          <p:cNvPicPr>
-            <a:picLocks noGrp="1" noChangeAspect="1"/>
-          </p:cNvPicPr>
-          <p:nvPr/>
-        </p:nvPicPr>
-        <p:blipFill>
-          <a:blip r:embed="rId2"/>
-          <a:stretch>
-            <a:fillRect/>
-          </a:stretch>
-        </p:blipFill>
-        <p:spPr bwMode="auto">
-          <a:xfrm>
-            <a:off x="4749800" y="266700"/>
-            <a:ext cx="2743200" cy="5334000"/>
-          </a:xfrm>
-          <a:prstGeom prst="rect">
-            <a:avLst/>
-          </a:prstGeom>
-          <a:noFill/>
-          <a:ln w="9525">
-            <a:noFill/>
-            <a:headEnd/>
-            <a:tailEnd/>
-          </a:ln>
-        </p:spPr>
-      </p:pic>
-      <p:sp>
-        <p:nvSpPr>
-          <p:cNvPr id="1" name="TextBox 3"/>
-          <p:cNvSpPr txBox="1"/>
-          <p:nvPr/>
-        </p:nvSpPr>
-        <p:spPr>
-          <a:xfrm>
-            <a:off x="3568700" y="5600700"/>
-            <a:ext cx="5105400" cy="508000"/>
-          </a:xfrm>
-          <a:prstGeom prst="rect">
-            <a:avLst/>
-          </a:prstGeom>
-          <a:noFill/>
-        </p:spPr>
-        <p:txBody>
-          <a:bodyPr/>
-          <a:lstStyle/>
-          <a:p>
-            <a:pPr lvl="0" indent="0" marL="0" algn="ctr">
-              <a:buNone/>
-            </a:pPr>
-            <a:r>
-              <a:rPr/>
-              <a:t>bg h:400px</a:t>
+              <a:t> </a:t>
+            </a:r>
+            <a:r>
+              <a:rPr>
+                <a:hlinkClick r:id="rId2"/>
+              </a:rPr>
+              <a:t>http://www.flowgorithm.org/</a:t>
             </a:r>
           </a:p>
         </p:txBody>
